--- a/slides/pyspark/graphframes/intro_to_graphframes/9.2_introduction_to_GraphFrames.pptx
+++ b/slides/pyspark/graphframes/intro_to_graphframes/9.2_introduction_to_GraphFrames.pptx
@@ -273,7 +273,7 @@
               <a:pPr>
                 <a:defRPr/>
               </a:pPr>
-              <a:t>7/21/22</a:t>
+              <a:t>11/15/22</a:t>
             </a:fld>
             <a:endParaRPr lang="en-US"/>
           </a:p>
@@ -497,7 +497,7 @@
               <a:pPr>
                 <a:defRPr/>
               </a:pPr>
-              <a:t>7/21/22</a:t>
+              <a:t>11/15/22</a:t>
             </a:fld>
             <a:endParaRPr lang="en-US"/>
           </a:p>
@@ -6595,17 +6595,17 @@
           </a:ln>
           <a:extLst>
             <a:ext uri="{FAA26D3D-D897-4be2-8F04-BA451C77F1D7}">
-              <ma14:placeholderFlag xmlns="" xmlns:ma14="http://schemas.microsoft.com/office/mac/drawingml/2011/main" val="1"/>
+              <ma14:placeholderFlag xmlns:ma14="http://schemas.microsoft.com/office/mac/drawingml/2011/main" xmlns="" val="1"/>
             </a:ext>
             <a:ext uri="{909E8E84-426E-40dd-AFC4-6F175D3DCCD1}">
-              <a14:hiddenFill xmlns="" xmlns:a14="http://schemas.microsoft.com/office/drawing/2010/main">
+              <a14:hiddenFill xmlns:a14="http://schemas.microsoft.com/office/drawing/2010/main" xmlns="">
                 <a:solidFill>
                   <a:srgbClr val="FFFFFF"/>
                 </a:solidFill>
               </a14:hiddenFill>
             </a:ext>
             <a:ext uri="{91240B29-F687-4f45-9708-019B960494DF}">
-              <a14:hiddenLine xmlns="" xmlns:a14="http://schemas.microsoft.com/office/drawing/2010/main" w="9525">
+              <a14:hiddenLine xmlns:a14="http://schemas.microsoft.com/office/drawing/2010/main" xmlns="" w="9525">
                 <a:solidFill>
                   <a:srgbClr val="000000"/>
                 </a:solidFill>
@@ -7019,17 +7019,17 @@
           </a:ln>
           <a:extLst>
             <a:ext uri="{FAA26D3D-D897-4be2-8F04-BA451C77F1D7}">
-              <ma14:placeholderFlag xmlns="" xmlns:ma14="http://schemas.microsoft.com/office/mac/drawingml/2011/main" val="1"/>
+              <ma14:placeholderFlag xmlns:ma14="http://schemas.microsoft.com/office/mac/drawingml/2011/main" xmlns="" val="1"/>
             </a:ext>
             <a:ext uri="{909E8E84-426E-40dd-AFC4-6F175D3DCCD1}">
-              <a14:hiddenFill xmlns="" xmlns:a14="http://schemas.microsoft.com/office/drawing/2010/main">
+              <a14:hiddenFill xmlns:a14="http://schemas.microsoft.com/office/drawing/2010/main" xmlns="">
                 <a:solidFill>
                   <a:srgbClr val="FFFFFF"/>
                 </a:solidFill>
               </a14:hiddenFill>
             </a:ext>
             <a:ext uri="{91240B29-F687-4f45-9708-019B960494DF}">
-              <a14:hiddenLine xmlns="" xmlns:a14="http://schemas.microsoft.com/office/drawing/2010/main" w="9525">
+              <a14:hiddenLine xmlns:a14="http://schemas.microsoft.com/office/drawing/2010/main" xmlns="" w="9525">
                 <a:solidFill>
                   <a:srgbClr val="000000"/>
                 </a:solidFill>
@@ -7591,17 +7591,17 @@
           </a:ln>
           <a:extLst>
             <a:ext uri="{FAA26D3D-D897-4be2-8F04-BA451C77F1D7}">
-              <ma14:placeholderFlag xmlns="" xmlns:ma14="http://schemas.microsoft.com/office/mac/drawingml/2011/main" val="1"/>
+              <ma14:placeholderFlag xmlns:ma14="http://schemas.microsoft.com/office/mac/drawingml/2011/main" xmlns="" val="1"/>
             </a:ext>
             <a:ext uri="{909E8E84-426E-40dd-AFC4-6F175D3DCCD1}">
-              <a14:hiddenFill xmlns="" xmlns:a14="http://schemas.microsoft.com/office/drawing/2010/main">
+              <a14:hiddenFill xmlns:a14="http://schemas.microsoft.com/office/drawing/2010/main" xmlns="">
                 <a:solidFill>
                   <a:srgbClr val="FFFFFF"/>
                 </a:solidFill>
               </a14:hiddenFill>
             </a:ext>
             <a:ext uri="{91240B29-F687-4f45-9708-019B960494DF}">
-              <a14:hiddenLine xmlns="" xmlns:a14="http://schemas.microsoft.com/office/drawing/2010/main" w="9525">
+              <a14:hiddenLine xmlns:a14="http://schemas.microsoft.com/office/drawing/2010/main" xmlns="" w="9525">
                 <a:solidFill>
                   <a:srgbClr val="000000"/>
                 </a:solidFill>
@@ -7676,12 +7676,12 @@
           <a:graphicData uri="http://schemas.openxmlformats.org/presentationml/2006/ole">
             <mc:AlternateContent xmlns:mc="http://schemas.openxmlformats.org/markup-compatibility/2006">
               <mc:Choice xmlns:v="urn:schemas-microsoft-com:vml" Requires="v">
-                <p:oleObj spid="_x0000_s1030" r:id="rId3" imgW="7271927" imgH="3492719" progId="Excel.Chart.8">
+                <p:oleObj r:id="rId2" imgW="7271927" imgH="3492719" progId="Excel.Chart.8">
                   <p:embed/>
                 </p:oleObj>
               </mc:Choice>
               <mc:Fallback>
-                <p:oleObj r:id="rId3" imgW="7271927" imgH="3492719" progId="Excel.Chart.8">
+                <p:oleObj r:id="rId2" imgW="7271927" imgH="3492719" progId="Excel.Chart.8">
                   <p:embed/>
                   <p:pic>
                     <p:nvPicPr>
@@ -7692,7 +7692,7 @@
                       <p:nvPr/>
                     </p:nvPicPr>
                     <p:blipFill>
-                      <a:blip r:embed="rId4">
+                      <a:blip r:embed="rId3">
                         <a:extLst>
                           <a:ext uri="{28A0092B-C50C-407E-A947-70E740481C1C}">
                             <a14:useLocalDpi xmlns:a14="http://schemas.microsoft.com/office/drawing/2010/main" val="0"/>
@@ -7715,7 +7715,7 @@
                       <a:noFill/>
                       <a:extLst>
                         <a:ext uri="{909E8E84-426E-40dd-AFC4-6F175D3DCCD1}">
-                          <a14:hiddenFill xmlns="" xmlns:a14="http://schemas.microsoft.com/office/drawing/2010/main">
+                          <a14:hiddenFill xmlns:a14="http://schemas.microsoft.com/office/drawing/2010/main" xmlns="">
                             <a:solidFill>
                               <a:srgbClr val="FFFFFF"/>
                             </a:solidFill>
@@ -7788,7 +7788,7 @@
           <p:nvPr userDrawn="1"/>
         </p:nvPicPr>
         <p:blipFill>
-          <a:blip r:embed="rId5">
+          <a:blip r:embed="rId4">
             <a:extLst>
               <a:ext uri="{28A0092B-C50C-407E-A947-70E740481C1C}">
                 <a14:useLocalDpi xmlns:a14="http://schemas.microsoft.com/office/drawing/2010/main" val="0"/>
@@ -7833,17 +7833,17 @@
           </a:ln>
           <a:extLst>
             <a:ext uri="{FAA26D3D-D897-4be2-8F04-BA451C77F1D7}">
-              <ma14:placeholderFlag xmlns="" xmlns:ma14="http://schemas.microsoft.com/office/mac/drawingml/2011/main" val="1"/>
+              <ma14:placeholderFlag xmlns:ma14="http://schemas.microsoft.com/office/mac/drawingml/2011/main" xmlns="" val="1"/>
             </a:ext>
             <a:ext uri="{909E8E84-426E-40dd-AFC4-6F175D3DCCD1}">
-              <a14:hiddenFill xmlns="" xmlns:a14="http://schemas.microsoft.com/office/drawing/2010/main">
+              <a14:hiddenFill xmlns:a14="http://schemas.microsoft.com/office/drawing/2010/main" xmlns="">
                 <a:solidFill>
                   <a:srgbClr val="FFFFFF"/>
                 </a:solidFill>
               </a14:hiddenFill>
             </a:ext>
             <a:ext uri="{91240B29-F687-4f45-9708-019B960494DF}">
-              <a14:hiddenLine xmlns="" xmlns:a14="http://schemas.microsoft.com/office/drawing/2010/main" w="9525">
+              <a14:hiddenLine xmlns:a14="http://schemas.microsoft.com/office/drawing/2010/main" xmlns="" w="9525">
                 <a:solidFill>
                   <a:srgbClr val="000000"/>
                 </a:solidFill>
@@ -8154,14 +8154,14 @@
           </a:ln>
           <a:extLst>
             <a:ext uri="{909E8E84-426E-40dd-AFC4-6F175D3DCCD1}">
-              <a14:hiddenFill xmlns="" xmlns:a14="http://schemas.microsoft.com/office/drawing/2010/main">
+              <a14:hiddenFill xmlns:a14="http://schemas.microsoft.com/office/drawing/2010/main" xmlns="">
                 <a:solidFill>
                   <a:srgbClr val="FFFFFF"/>
                 </a:solidFill>
               </a14:hiddenFill>
             </a:ext>
             <a:ext uri="{91240B29-F687-4f45-9708-019B960494DF}">
-              <a14:hiddenLine xmlns="" xmlns:a14="http://schemas.microsoft.com/office/drawing/2010/main" w="9525">
+              <a14:hiddenLine xmlns:a14="http://schemas.microsoft.com/office/drawing/2010/main" xmlns="" w="9525">
                 <a:solidFill>
                   <a:srgbClr val="000000"/>
                 </a:solidFill>
@@ -8208,14 +8208,14 @@
           </a:ln>
           <a:extLst>
             <a:ext uri="{909E8E84-426E-40dd-AFC4-6F175D3DCCD1}">
-              <a14:hiddenFill xmlns="" xmlns:a14="http://schemas.microsoft.com/office/drawing/2010/main">
+              <a14:hiddenFill xmlns:a14="http://schemas.microsoft.com/office/drawing/2010/main" xmlns="">
                 <a:solidFill>
                   <a:srgbClr val="FFFFFF"/>
                 </a:solidFill>
               </a14:hiddenFill>
             </a:ext>
             <a:ext uri="{91240B29-F687-4f45-9708-019B960494DF}">
-              <a14:hiddenLine xmlns="" xmlns:a14="http://schemas.microsoft.com/office/drawing/2010/main" w="9525">
+              <a14:hiddenLine xmlns:a14="http://schemas.microsoft.com/office/drawing/2010/main" xmlns="" w="9525">
                 <a:solidFill>
                   <a:srgbClr val="000000"/>
                 </a:solidFill>
@@ -8262,14 +8262,14 @@
           </a:ln>
           <a:extLst>
             <a:ext uri="{909E8E84-426E-40dd-AFC4-6F175D3DCCD1}">
-              <a14:hiddenFill xmlns="" xmlns:a14="http://schemas.microsoft.com/office/drawing/2010/main">
+              <a14:hiddenFill xmlns:a14="http://schemas.microsoft.com/office/drawing/2010/main" xmlns="">
                 <a:solidFill>
                   <a:srgbClr val="FFFFFF"/>
                 </a:solidFill>
               </a14:hiddenFill>
             </a:ext>
             <a:ext uri="{91240B29-F687-4f45-9708-019B960494DF}">
-              <a14:hiddenLine xmlns="" xmlns:a14="http://schemas.microsoft.com/office/drawing/2010/main" w="9525">
+              <a14:hiddenLine xmlns:a14="http://schemas.microsoft.com/office/drawing/2010/main" xmlns="" w="9525">
                 <a:solidFill>
                   <a:srgbClr val="000000"/>
                 </a:solidFill>
@@ -8316,14 +8316,14 @@
           </a:ln>
           <a:extLst>
             <a:ext uri="{909E8E84-426E-40dd-AFC4-6F175D3DCCD1}">
-              <a14:hiddenFill xmlns="" xmlns:a14="http://schemas.microsoft.com/office/drawing/2010/main">
+              <a14:hiddenFill xmlns:a14="http://schemas.microsoft.com/office/drawing/2010/main" xmlns="">
                 <a:solidFill>
                   <a:srgbClr val="FFFFFF"/>
                 </a:solidFill>
               </a14:hiddenFill>
             </a:ext>
             <a:ext uri="{91240B29-F687-4f45-9708-019B960494DF}">
-              <a14:hiddenLine xmlns="" xmlns:a14="http://schemas.microsoft.com/office/drawing/2010/main" w="9525">
+              <a14:hiddenLine xmlns:a14="http://schemas.microsoft.com/office/drawing/2010/main" xmlns="" w="9525">
                 <a:solidFill>
                   <a:srgbClr val="000000"/>
                 </a:solidFill>
@@ -8370,14 +8370,14 @@
           </a:ln>
           <a:extLst>
             <a:ext uri="{909E8E84-426E-40dd-AFC4-6F175D3DCCD1}">
-              <a14:hiddenFill xmlns="" xmlns:a14="http://schemas.microsoft.com/office/drawing/2010/main">
+              <a14:hiddenFill xmlns:a14="http://schemas.microsoft.com/office/drawing/2010/main" xmlns="">
                 <a:solidFill>
                   <a:srgbClr val="FFFFFF"/>
                 </a:solidFill>
               </a14:hiddenFill>
             </a:ext>
             <a:ext uri="{91240B29-F687-4f45-9708-019B960494DF}">
-              <a14:hiddenLine xmlns="" xmlns:a14="http://schemas.microsoft.com/office/drawing/2010/main" w="9525">
+              <a14:hiddenLine xmlns:a14="http://schemas.microsoft.com/office/drawing/2010/main" xmlns="" w="9525">
                 <a:solidFill>
                   <a:srgbClr val="000000"/>
                 </a:solidFill>
@@ -8424,14 +8424,14 @@
           </a:ln>
           <a:extLst>
             <a:ext uri="{909E8E84-426E-40dd-AFC4-6F175D3DCCD1}">
-              <a14:hiddenFill xmlns="" xmlns:a14="http://schemas.microsoft.com/office/drawing/2010/main">
+              <a14:hiddenFill xmlns:a14="http://schemas.microsoft.com/office/drawing/2010/main" xmlns="">
                 <a:solidFill>
                   <a:srgbClr val="FFFFFF"/>
                 </a:solidFill>
               </a14:hiddenFill>
             </a:ext>
             <a:ext uri="{91240B29-F687-4f45-9708-019B960494DF}">
-              <a14:hiddenLine xmlns="" xmlns:a14="http://schemas.microsoft.com/office/drawing/2010/main" w="9525">
+              <a14:hiddenLine xmlns:a14="http://schemas.microsoft.com/office/drawing/2010/main" xmlns="" w="9525">
                 <a:solidFill>
                   <a:srgbClr val="000000"/>
                 </a:solidFill>
@@ -8478,14 +8478,14 @@
           </a:ln>
           <a:extLst>
             <a:ext uri="{909E8E84-426E-40dd-AFC4-6F175D3DCCD1}">
-              <a14:hiddenFill xmlns="" xmlns:a14="http://schemas.microsoft.com/office/drawing/2010/main">
+              <a14:hiddenFill xmlns:a14="http://schemas.microsoft.com/office/drawing/2010/main" xmlns="">
                 <a:solidFill>
                   <a:srgbClr val="FFFFFF"/>
                 </a:solidFill>
               </a14:hiddenFill>
             </a:ext>
             <a:ext uri="{91240B29-F687-4f45-9708-019B960494DF}">
-              <a14:hiddenLine xmlns="" xmlns:a14="http://schemas.microsoft.com/office/drawing/2010/main" w="9525">
+              <a14:hiddenLine xmlns:a14="http://schemas.microsoft.com/office/drawing/2010/main" xmlns="" w="9525">
                 <a:solidFill>
                   <a:srgbClr val="000000"/>
                 </a:solidFill>
@@ -8532,14 +8532,14 @@
           </a:ln>
           <a:extLst>
             <a:ext uri="{909E8E84-426E-40dd-AFC4-6F175D3DCCD1}">
-              <a14:hiddenFill xmlns="" xmlns:a14="http://schemas.microsoft.com/office/drawing/2010/main">
+              <a14:hiddenFill xmlns:a14="http://schemas.microsoft.com/office/drawing/2010/main" xmlns="">
                 <a:solidFill>
                   <a:srgbClr val="FFFFFF"/>
                 </a:solidFill>
               </a14:hiddenFill>
             </a:ext>
             <a:ext uri="{91240B29-F687-4f45-9708-019B960494DF}">
-              <a14:hiddenLine xmlns="" xmlns:a14="http://schemas.microsoft.com/office/drawing/2010/main" w="9525">
+              <a14:hiddenLine xmlns:a14="http://schemas.microsoft.com/office/drawing/2010/main" xmlns="" w="9525">
                 <a:solidFill>
                   <a:srgbClr val="000000"/>
                 </a:solidFill>
@@ -8586,14 +8586,14 @@
           </a:ln>
           <a:extLst>
             <a:ext uri="{909E8E84-426E-40dd-AFC4-6F175D3DCCD1}">
-              <a14:hiddenFill xmlns="" xmlns:a14="http://schemas.microsoft.com/office/drawing/2010/main">
+              <a14:hiddenFill xmlns:a14="http://schemas.microsoft.com/office/drawing/2010/main" xmlns="">
                 <a:solidFill>
                   <a:srgbClr val="FFFFFF"/>
                 </a:solidFill>
               </a14:hiddenFill>
             </a:ext>
             <a:ext uri="{91240B29-F687-4f45-9708-019B960494DF}">
-              <a14:hiddenLine xmlns="" xmlns:a14="http://schemas.microsoft.com/office/drawing/2010/main" w="9525">
+              <a14:hiddenLine xmlns:a14="http://schemas.microsoft.com/office/drawing/2010/main" xmlns="" w="9525">
                 <a:solidFill>
                   <a:srgbClr val="000000"/>
                 </a:solidFill>
@@ -8640,14 +8640,14 @@
           </a:ln>
           <a:extLst>
             <a:ext uri="{909E8E84-426E-40dd-AFC4-6F175D3DCCD1}">
-              <a14:hiddenFill xmlns="" xmlns:a14="http://schemas.microsoft.com/office/drawing/2010/main">
+              <a14:hiddenFill xmlns:a14="http://schemas.microsoft.com/office/drawing/2010/main" xmlns="">
                 <a:solidFill>
                   <a:srgbClr val="FFFFFF"/>
                 </a:solidFill>
               </a14:hiddenFill>
             </a:ext>
             <a:ext uri="{91240B29-F687-4f45-9708-019B960494DF}">
-              <a14:hiddenLine xmlns="" xmlns:a14="http://schemas.microsoft.com/office/drawing/2010/main" w="9525">
+              <a14:hiddenLine xmlns:a14="http://schemas.microsoft.com/office/drawing/2010/main" xmlns="" w="9525">
                 <a:solidFill>
                   <a:srgbClr val="000000"/>
                 </a:solidFill>
@@ -8694,14 +8694,14 @@
           </a:ln>
           <a:extLst>
             <a:ext uri="{909E8E84-426E-40dd-AFC4-6F175D3DCCD1}">
-              <a14:hiddenFill xmlns="" xmlns:a14="http://schemas.microsoft.com/office/drawing/2010/main">
+              <a14:hiddenFill xmlns:a14="http://schemas.microsoft.com/office/drawing/2010/main" xmlns="">
                 <a:solidFill>
                   <a:srgbClr val="FFFFFF"/>
                 </a:solidFill>
               </a14:hiddenFill>
             </a:ext>
             <a:ext uri="{91240B29-F687-4f45-9708-019B960494DF}">
-              <a14:hiddenLine xmlns="" xmlns:a14="http://schemas.microsoft.com/office/drawing/2010/main" w="9525">
+              <a14:hiddenLine xmlns:a14="http://schemas.microsoft.com/office/drawing/2010/main" xmlns="" w="9525">
                 <a:solidFill>
                   <a:srgbClr val="000000"/>
                 </a:solidFill>
@@ -8748,14 +8748,14 @@
           </a:ln>
           <a:extLst>
             <a:ext uri="{909E8E84-426E-40dd-AFC4-6F175D3DCCD1}">
-              <a14:hiddenFill xmlns="" xmlns:a14="http://schemas.microsoft.com/office/drawing/2010/main">
+              <a14:hiddenFill xmlns:a14="http://schemas.microsoft.com/office/drawing/2010/main" xmlns="">
                 <a:solidFill>
                   <a:srgbClr val="FFFFFF"/>
                 </a:solidFill>
               </a14:hiddenFill>
             </a:ext>
             <a:ext uri="{91240B29-F687-4f45-9708-019B960494DF}">
-              <a14:hiddenLine xmlns="" xmlns:a14="http://schemas.microsoft.com/office/drawing/2010/main" w="9525">
+              <a14:hiddenLine xmlns:a14="http://schemas.microsoft.com/office/drawing/2010/main" xmlns="" w="9525">
                 <a:solidFill>
                   <a:srgbClr val="000000"/>
                 </a:solidFill>
@@ -8802,14 +8802,14 @@
           </a:ln>
           <a:extLst>
             <a:ext uri="{909E8E84-426E-40dd-AFC4-6F175D3DCCD1}">
-              <a14:hiddenFill xmlns="" xmlns:a14="http://schemas.microsoft.com/office/drawing/2010/main">
+              <a14:hiddenFill xmlns:a14="http://schemas.microsoft.com/office/drawing/2010/main" xmlns="">
                 <a:solidFill>
                   <a:srgbClr val="FFFFFF"/>
                 </a:solidFill>
               </a14:hiddenFill>
             </a:ext>
             <a:ext uri="{91240B29-F687-4f45-9708-019B960494DF}">
-              <a14:hiddenLine xmlns="" xmlns:a14="http://schemas.microsoft.com/office/drawing/2010/main" w="9525">
+              <a14:hiddenLine xmlns:a14="http://schemas.microsoft.com/office/drawing/2010/main" xmlns="" w="9525">
                 <a:solidFill>
                   <a:srgbClr val="000000"/>
                 </a:solidFill>
@@ -8856,14 +8856,14 @@
           </a:ln>
           <a:extLst>
             <a:ext uri="{909E8E84-426E-40dd-AFC4-6F175D3DCCD1}">
-              <a14:hiddenFill xmlns="" xmlns:a14="http://schemas.microsoft.com/office/drawing/2010/main">
+              <a14:hiddenFill xmlns:a14="http://schemas.microsoft.com/office/drawing/2010/main" xmlns="">
                 <a:solidFill>
                   <a:srgbClr val="FFFFFF"/>
                 </a:solidFill>
               </a14:hiddenFill>
             </a:ext>
             <a:ext uri="{91240B29-F687-4f45-9708-019B960494DF}">
-              <a14:hiddenLine xmlns="" xmlns:a14="http://schemas.microsoft.com/office/drawing/2010/main" w="9525">
+              <a14:hiddenLine xmlns:a14="http://schemas.microsoft.com/office/drawing/2010/main" xmlns="" w="9525">
                 <a:solidFill>
                   <a:srgbClr val="000000"/>
                 </a:solidFill>
@@ -8910,14 +8910,14 @@
           </a:ln>
           <a:extLst>
             <a:ext uri="{909E8E84-426E-40dd-AFC4-6F175D3DCCD1}">
-              <a14:hiddenFill xmlns="" xmlns:a14="http://schemas.microsoft.com/office/drawing/2010/main">
+              <a14:hiddenFill xmlns:a14="http://schemas.microsoft.com/office/drawing/2010/main" xmlns="">
                 <a:solidFill>
                   <a:srgbClr val="FFFFFF"/>
                 </a:solidFill>
               </a14:hiddenFill>
             </a:ext>
             <a:ext uri="{91240B29-F687-4f45-9708-019B960494DF}">
-              <a14:hiddenLine xmlns="" xmlns:a14="http://schemas.microsoft.com/office/drawing/2010/main" w="9525">
+              <a14:hiddenLine xmlns:a14="http://schemas.microsoft.com/office/drawing/2010/main" xmlns="" w="9525">
                 <a:solidFill>
                   <a:srgbClr val="000000"/>
                 </a:solidFill>
@@ -8964,14 +8964,14 @@
           </a:ln>
           <a:extLst>
             <a:ext uri="{909E8E84-426E-40dd-AFC4-6F175D3DCCD1}">
-              <a14:hiddenFill xmlns="" xmlns:a14="http://schemas.microsoft.com/office/drawing/2010/main">
+              <a14:hiddenFill xmlns:a14="http://schemas.microsoft.com/office/drawing/2010/main" xmlns="">
                 <a:solidFill>
                   <a:srgbClr val="FFFFFF"/>
                 </a:solidFill>
               </a14:hiddenFill>
             </a:ext>
             <a:ext uri="{91240B29-F687-4f45-9708-019B960494DF}">
-              <a14:hiddenLine xmlns="" xmlns:a14="http://schemas.microsoft.com/office/drawing/2010/main" w="9525">
+              <a14:hiddenLine xmlns:a14="http://schemas.microsoft.com/office/drawing/2010/main" xmlns="" w="9525">
                 <a:solidFill>
                   <a:srgbClr val="000000"/>
                 </a:solidFill>
@@ -9018,14 +9018,14 @@
           </a:ln>
           <a:extLst>
             <a:ext uri="{909E8E84-426E-40dd-AFC4-6F175D3DCCD1}">
-              <a14:hiddenFill xmlns="" xmlns:a14="http://schemas.microsoft.com/office/drawing/2010/main">
+              <a14:hiddenFill xmlns:a14="http://schemas.microsoft.com/office/drawing/2010/main" xmlns="">
                 <a:solidFill>
                   <a:srgbClr val="FFFFFF"/>
                 </a:solidFill>
               </a14:hiddenFill>
             </a:ext>
             <a:ext uri="{91240B29-F687-4f45-9708-019B960494DF}">
-              <a14:hiddenLine xmlns="" xmlns:a14="http://schemas.microsoft.com/office/drawing/2010/main" w="9525">
+              <a14:hiddenLine xmlns:a14="http://schemas.microsoft.com/office/drawing/2010/main" xmlns="" w="9525">
                 <a:solidFill>
                   <a:srgbClr val="000000"/>
                 </a:solidFill>
@@ -9059,14 +9059,14 @@
           </a:ln>
           <a:extLst>
             <a:ext uri="{909E8E84-426E-40dd-AFC4-6F175D3DCCD1}">
-              <a14:hiddenFill xmlns="" xmlns:a14="http://schemas.microsoft.com/office/drawing/2010/main">
+              <a14:hiddenFill xmlns:a14="http://schemas.microsoft.com/office/drawing/2010/main" xmlns="">
                 <a:solidFill>
                   <a:srgbClr val="FFFFFF"/>
                 </a:solidFill>
               </a14:hiddenFill>
             </a:ext>
             <a:ext uri="{91240B29-F687-4f45-9708-019B960494DF}">
-              <a14:hiddenLine xmlns="" xmlns:a14="http://schemas.microsoft.com/office/drawing/2010/main" w="9525">
+              <a14:hiddenLine xmlns:a14="http://schemas.microsoft.com/office/drawing/2010/main" xmlns="" w="9525">
                 <a:solidFill>
                   <a:srgbClr val="000000"/>
                 </a:solidFill>
@@ -9221,14 +9221,14 @@
           </a:ln>
           <a:extLst>
             <a:ext uri="{909E8E84-426E-40dd-AFC4-6F175D3DCCD1}">
-              <a14:hiddenFill xmlns="" xmlns:a14="http://schemas.microsoft.com/office/drawing/2010/main">
+              <a14:hiddenFill xmlns:a14="http://schemas.microsoft.com/office/drawing/2010/main" xmlns="">
                 <a:solidFill>
                   <a:srgbClr val="FFFFFF"/>
                 </a:solidFill>
               </a14:hiddenFill>
             </a:ext>
             <a:ext uri="{91240B29-F687-4f45-9708-019B960494DF}">
-              <a14:hiddenLine xmlns="" xmlns:a14="http://schemas.microsoft.com/office/drawing/2010/main" w="9525">
+              <a14:hiddenLine xmlns:a14="http://schemas.microsoft.com/office/drawing/2010/main" xmlns="" w="9525">
                 <a:solidFill>
                   <a:srgbClr val="000000"/>
                 </a:solidFill>
@@ -9383,14 +9383,14 @@
           </a:ln>
           <a:extLst>
             <a:ext uri="{909E8E84-426E-40dd-AFC4-6F175D3DCCD1}">
-              <a14:hiddenFill xmlns="" xmlns:a14="http://schemas.microsoft.com/office/drawing/2010/main">
+              <a14:hiddenFill xmlns:a14="http://schemas.microsoft.com/office/drawing/2010/main" xmlns="">
                 <a:solidFill>
                   <a:srgbClr val="FFFFFF"/>
                 </a:solidFill>
               </a14:hiddenFill>
             </a:ext>
             <a:ext uri="{91240B29-F687-4f45-9708-019B960494DF}">
-              <a14:hiddenLine xmlns="" xmlns:a14="http://schemas.microsoft.com/office/drawing/2010/main" w="9525">
+              <a14:hiddenLine xmlns:a14="http://schemas.microsoft.com/office/drawing/2010/main" xmlns="" w="9525">
                 <a:solidFill>
                   <a:srgbClr val="000000"/>
                 </a:solidFill>
@@ -9545,14 +9545,14 @@
           </a:ln>
           <a:extLst>
             <a:ext uri="{909E8E84-426E-40dd-AFC4-6F175D3DCCD1}">
-              <a14:hiddenFill xmlns="" xmlns:a14="http://schemas.microsoft.com/office/drawing/2010/main">
+              <a14:hiddenFill xmlns:a14="http://schemas.microsoft.com/office/drawing/2010/main" xmlns="">
                 <a:solidFill>
                   <a:srgbClr val="FFFFFF"/>
                 </a:solidFill>
               </a14:hiddenFill>
             </a:ext>
             <a:ext uri="{91240B29-F687-4f45-9708-019B960494DF}">
-              <a14:hiddenLine xmlns="" xmlns:a14="http://schemas.microsoft.com/office/drawing/2010/main" w="9525">
+              <a14:hiddenLine xmlns:a14="http://schemas.microsoft.com/office/drawing/2010/main" xmlns="" w="9525">
                 <a:solidFill>
                   <a:srgbClr val="000000"/>
                 </a:solidFill>
@@ -9719,14 +9719,14 @@
           </a:ln>
           <a:extLst>
             <a:ext uri="{909E8E84-426E-40dd-AFC4-6F175D3DCCD1}">
-              <a14:hiddenFill xmlns="" xmlns:a14="http://schemas.microsoft.com/office/drawing/2010/main">
+              <a14:hiddenFill xmlns:a14="http://schemas.microsoft.com/office/drawing/2010/main" xmlns="">
                 <a:solidFill>
                   <a:srgbClr val="FFFFFF"/>
                 </a:solidFill>
               </a14:hiddenFill>
             </a:ext>
             <a:ext uri="{91240B29-F687-4f45-9708-019B960494DF}">
-              <a14:hiddenLine xmlns="" xmlns:a14="http://schemas.microsoft.com/office/drawing/2010/main" w="9525">
+              <a14:hiddenLine xmlns:a14="http://schemas.microsoft.com/office/drawing/2010/main" xmlns="" w="9525">
                 <a:solidFill>
                   <a:srgbClr val="000000"/>
                 </a:solidFill>
@@ -9881,14 +9881,14 @@
           </a:ln>
           <a:extLst>
             <a:ext uri="{909E8E84-426E-40dd-AFC4-6F175D3DCCD1}">
-              <a14:hiddenFill xmlns="" xmlns:a14="http://schemas.microsoft.com/office/drawing/2010/main">
+              <a14:hiddenFill xmlns:a14="http://schemas.microsoft.com/office/drawing/2010/main" xmlns="">
                 <a:solidFill>
                   <a:srgbClr val="FFFFFF"/>
                 </a:solidFill>
               </a14:hiddenFill>
             </a:ext>
             <a:ext uri="{91240B29-F687-4f45-9708-019B960494DF}">
-              <a14:hiddenLine xmlns="" xmlns:a14="http://schemas.microsoft.com/office/drawing/2010/main" w="9525">
+              <a14:hiddenLine xmlns:a14="http://schemas.microsoft.com/office/drawing/2010/main" xmlns="" w="9525">
                 <a:solidFill>
                   <a:srgbClr val="000000"/>
                 </a:solidFill>
@@ -10043,14 +10043,14 @@
           </a:ln>
           <a:extLst>
             <a:ext uri="{909E8E84-426E-40dd-AFC4-6F175D3DCCD1}">
-              <a14:hiddenFill xmlns="" xmlns:a14="http://schemas.microsoft.com/office/drawing/2010/main">
+              <a14:hiddenFill xmlns:a14="http://schemas.microsoft.com/office/drawing/2010/main" xmlns="">
                 <a:solidFill>
                   <a:srgbClr val="FFFFFF"/>
                 </a:solidFill>
               </a14:hiddenFill>
             </a:ext>
             <a:ext uri="{91240B29-F687-4f45-9708-019B960494DF}">
-              <a14:hiddenLine xmlns="" xmlns:a14="http://schemas.microsoft.com/office/drawing/2010/main" w="9525">
+              <a14:hiddenLine xmlns:a14="http://schemas.microsoft.com/office/drawing/2010/main" xmlns="" w="9525">
                 <a:solidFill>
                   <a:srgbClr val="000000"/>
                 </a:solidFill>
@@ -10205,14 +10205,14 @@
           </a:ln>
           <a:extLst>
             <a:ext uri="{909E8E84-426E-40dd-AFC4-6F175D3DCCD1}">
-              <a14:hiddenFill xmlns="" xmlns:a14="http://schemas.microsoft.com/office/drawing/2010/main">
+              <a14:hiddenFill xmlns:a14="http://schemas.microsoft.com/office/drawing/2010/main" xmlns="">
                 <a:solidFill>
                   <a:srgbClr val="FFFFFF"/>
                 </a:solidFill>
               </a14:hiddenFill>
             </a:ext>
             <a:ext uri="{91240B29-F687-4f45-9708-019B960494DF}">
-              <a14:hiddenLine xmlns="" xmlns:a14="http://schemas.microsoft.com/office/drawing/2010/main" w="9525">
+              <a14:hiddenLine xmlns:a14="http://schemas.microsoft.com/office/drawing/2010/main" xmlns="" w="9525">
                 <a:solidFill>
                   <a:srgbClr val="000000"/>
                 </a:solidFill>
@@ -10367,14 +10367,14 @@
           </a:ln>
           <a:extLst>
             <a:ext uri="{909E8E84-426E-40dd-AFC4-6F175D3DCCD1}">
-              <a14:hiddenFill xmlns="" xmlns:a14="http://schemas.microsoft.com/office/drawing/2010/main">
+              <a14:hiddenFill xmlns:a14="http://schemas.microsoft.com/office/drawing/2010/main" xmlns="">
                 <a:solidFill>
                   <a:srgbClr val="FFFFFF"/>
                 </a:solidFill>
               </a14:hiddenFill>
             </a:ext>
             <a:ext uri="{91240B29-F687-4f45-9708-019B960494DF}">
-              <a14:hiddenLine xmlns="" xmlns:a14="http://schemas.microsoft.com/office/drawing/2010/main" w="9525">
+              <a14:hiddenLine xmlns:a14="http://schemas.microsoft.com/office/drawing/2010/main" xmlns="" w="9525">
                 <a:solidFill>
                   <a:srgbClr val="000000"/>
                 </a:solidFill>
@@ -10529,14 +10529,14 @@
           </a:ln>
           <a:extLst>
             <a:ext uri="{909E8E84-426E-40dd-AFC4-6F175D3DCCD1}">
-              <a14:hiddenFill xmlns="" xmlns:a14="http://schemas.microsoft.com/office/drawing/2010/main">
+              <a14:hiddenFill xmlns:a14="http://schemas.microsoft.com/office/drawing/2010/main" xmlns="">
                 <a:solidFill>
                   <a:srgbClr val="FFFFFF"/>
                 </a:solidFill>
               </a14:hiddenFill>
             </a:ext>
             <a:ext uri="{91240B29-F687-4f45-9708-019B960494DF}">
-              <a14:hiddenLine xmlns="" xmlns:a14="http://schemas.microsoft.com/office/drawing/2010/main" w="9525">
+              <a14:hiddenLine xmlns:a14="http://schemas.microsoft.com/office/drawing/2010/main" xmlns="" w="9525">
                 <a:solidFill>
                   <a:srgbClr val="000000"/>
                 </a:solidFill>
@@ -10691,14 +10691,14 @@
           </a:ln>
           <a:extLst>
             <a:ext uri="{909E8E84-426E-40dd-AFC4-6F175D3DCCD1}">
-              <a14:hiddenFill xmlns="" xmlns:a14="http://schemas.microsoft.com/office/drawing/2010/main">
+              <a14:hiddenFill xmlns:a14="http://schemas.microsoft.com/office/drawing/2010/main" xmlns="">
                 <a:solidFill>
                   <a:srgbClr val="FFFFFF"/>
                 </a:solidFill>
               </a14:hiddenFill>
             </a:ext>
             <a:ext uri="{91240B29-F687-4f45-9708-019B960494DF}">
-              <a14:hiddenLine xmlns="" xmlns:a14="http://schemas.microsoft.com/office/drawing/2010/main" w="9525">
+              <a14:hiddenLine xmlns:a14="http://schemas.microsoft.com/office/drawing/2010/main" xmlns="" w="9525">
                 <a:solidFill>
                   <a:srgbClr val="000000"/>
                 </a:solidFill>
@@ -10853,14 +10853,14 @@
           </a:ln>
           <a:extLst>
             <a:ext uri="{909E8E84-426E-40dd-AFC4-6F175D3DCCD1}">
-              <a14:hiddenFill xmlns="" xmlns:a14="http://schemas.microsoft.com/office/drawing/2010/main">
+              <a14:hiddenFill xmlns:a14="http://schemas.microsoft.com/office/drawing/2010/main" xmlns="">
                 <a:solidFill>
                   <a:srgbClr val="FFFFFF"/>
                 </a:solidFill>
               </a14:hiddenFill>
             </a:ext>
             <a:ext uri="{91240B29-F687-4f45-9708-019B960494DF}">
-              <a14:hiddenLine xmlns="" xmlns:a14="http://schemas.microsoft.com/office/drawing/2010/main" w="9525">
+              <a14:hiddenLine xmlns:a14="http://schemas.microsoft.com/office/drawing/2010/main" xmlns="" w="9525">
                 <a:solidFill>
                   <a:srgbClr val="000000"/>
                 </a:solidFill>
@@ -11015,14 +11015,14 @@
           </a:ln>
           <a:extLst>
             <a:ext uri="{909E8E84-426E-40dd-AFC4-6F175D3DCCD1}">
-              <a14:hiddenFill xmlns="" xmlns:a14="http://schemas.microsoft.com/office/drawing/2010/main">
+              <a14:hiddenFill xmlns:a14="http://schemas.microsoft.com/office/drawing/2010/main" xmlns="">
                 <a:solidFill>
                   <a:srgbClr val="FFFFFF"/>
                 </a:solidFill>
               </a14:hiddenFill>
             </a:ext>
             <a:ext uri="{91240B29-F687-4f45-9708-019B960494DF}">
-              <a14:hiddenLine xmlns="" xmlns:a14="http://schemas.microsoft.com/office/drawing/2010/main" w="9525">
+              <a14:hiddenLine xmlns:a14="http://schemas.microsoft.com/office/drawing/2010/main" xmlns="" w="9525">
                 <a:solidFill>
                   <a:srgbClr val="000000"/>
                 </a:solidFill>
@@ -11177,14 +11177,14 @@
           </a:ln>
           <a:extLst>
             <a:ext uri="{909E8E84-426E-40dd-AFC4-6F175D3DCCD1}">
-              <a14:hiddenFill xmlns="" xmlns:a14="http://schemas.microsoft.com/office/drawing/2010/main">
+              <a14:hiddenFill xmlns:a14="http://schemas.microsoft.com/office/drawing/2010/main" xmlns="">
                 <a:solidFill>
                   <a:srgbClr val="FFFFFF"/>
                 </a:solidFill>
               </a14:hiddenFill>
             </a:ext>
             <a:ext uri="{91240B29-F687-4f45-9708-019B960494DF}">
-              <a14:hiddenLine xmlns="" xmlns:a14="http://schemas.microsoft.com/office/drawing/2010/main" w="9525">
+              <a14:hiddenLine xmlns:a14="http://schemas.microsoft.com/office/drawing/2010/main" xmlns="" w="9525">
                 <a:solidFill>
                   <a:srgbClr val="000000"/>
                 </a:solidFill>
@@ -11339,14 +11339,14 @@
           </a:ln>
           <a:extLst>
             <a:ext uri="{909E8E84-426E-40dd-AFC4-6F175D3DCCD1}">
-              <a14:hiddenFill xmlns="" xmlns:a14="http://schemas.microsoft.com/office/drawing/2010/main">
+              <a14:hiddenFill xmlns:a14="http://schemas.microsoft.com/office/drawing/2010/main" xmlns="">
                 <a:solidFill>
                   <a:srgbClr val="FFFFFF"/>
                 </a:solidFill>
               </a14:hiddenFill>
             </a:ext>
             <a:ext uri="{91240B29-F687-4f45-9708-019B960494DF}">
-              <a14:hiddenLine xmlns="" xmlns:a14="http://schemas.microsoft.com/office/drawing/2010/main" w="9525">
+              <a14:hiddenLine xmlns:a14="http://schemas.microsoft.com/office/drawing/2010/main" xmlns="" w="9525">
                 <a:solidFill>
                   <a:srgbClr val="000000"/>
                 </a:solidFill>
@@ -11501,14 +11501,14 @@
           </a:ln>
           <a:extLst>
             <a:ext uri="{909E8E84-426E-40dd-AFC4-6F175D3DCCD1}">
-              <a14:hiddenFill xmlns="" xmlns:a14="http://schemas.microsoft.com/office/drawing/2010/main">
+              <a14:hiddenFill xmlns:a14="http://schemas.microsoft.com/office/drawing/2010/main" xmlns="">
                 <a:solidFill>
                   <a:srgbClr val="FFFFFF"/>
                 </a:solidFill>
               </a14:hiddenFill>
             </a:ext>
             <a:ext uri="{91240B29-F687-4f45-9708-019B960494DF}">
-              <a14:hiddenLine xmlns="" xmlns:a14="http://schemas.microsoft.com/office/drawing/2010/main" w="9525">
+              <a14:hiddenLine xmlns:a14="http://schemas.microsoft.com/office/drawing/2010/main" xmlns="" w="9525">
                 <a:solidFill>
                   <a:srgbClr val="000000"/>
                 </a:solidFill>
@@ -11663,14 +11663,14 @@
           </a:ln>
           <a:extLst>
             <a:ext uri="{909E8E84-426E-40dd-AFC4-6F175D3DCCD1}">
-              <a14:hiddenFill xmlns="" xmlns:a14="http://schemas.microsoft.com/office/drawing/2010/main">
+              <a14:hiddenFill xmlns:a14="http://schemas.microsoft.com/office/drawing/2010/main" xmlns="">
                 <a:solidFill>
                   <a:srgbClr val="FFFFFF"/>
                 </a:solidFill>
               </a14:hiddenFill>
             </a:ext>
             <a:ext uri="{91240B29-F687-4f45-9708-019B960494DF}">
-              <a14:hiddenLine xmlns="" xmlns:a14="http://schemas.microsoft.com/office/drawing/2010/main" w="9525">
+              <a14:hiddenLine xmlns:a14="http://schemas.microsoft.com/office/drawing/2010/main" xmlns="" w="9525">
                 <a:solidFill>
                   <a:srgbClr val="000000"/>
                 </a:solidFill>
@@ -11906,17 +11906,17 @@
           </a:ln>
           <a:extLst>
             <a:ext uri="{FAA26D3D-D897-4be2-8F04-BA451C77F1D7}">
-              <ma14:placeholderFlag xmlns="" xmlns:ma14="http://schemas.microsoft.com/office/mac/drawingml/2011/main" val="1"/>
+              <ma14:placeholderFlag xmlns:ma14="http://schemas.microsoft.com/office/mac/drawingml/2011/main" xmlns="" val="1"/>
             </a:ext>
             <a:ext uri="{909E8E84-426E-40dd-AFC4-6F175D3DCCD1}">
-              <a14:hiddenFill xmlns="" xmlns:a14="http://schemas.microsoft.com/office/drawing/2010/main">
+              <a14:hiddenFill xmlns:a14="http://schemas.microsoft.com/office/drawing/2010/main" xmlns="">
                 <a:solidFill>
                   <a:srgbClr val="FFFFFF"/>
                 </a:solidFill>
               </a14:hiddenFill>
             </a:ext>
             <a:ext uri="{91240B29-F687-4f45-9708-019B960494DF}">
-              <a14:hiddenLine xmlns="" xmlns:a14="http://schemas.microsoft.com/office/drawing/2010/main" w="9525">
+              <a14:hiddenLine xmlns:a14="http://schemas.microsoft.com/office/drawing/2010/main" xmlns="" w="9525">
                 <a:solidFill>
                   <a:srgbClr val="000000"/>
                 </a:solidFill>
@@ -12022,14 +12022,14 @@
           </a:ln>
           <a:extLst>
             <a:ext uri="{909E8E84-426E-40dd-AFC4-6F175D3DCCD1}">
-              <a14:hiddenFill xmlns="" xmlns:a14="http://schemas.microsoft.com/office/drawing/2010/main">
+              <a14:hiddenFill xmlns:a14="http://schemas.microsoft.com/office/drawing/2010/main" xmlns="">
                 <a:solidFill>
                   <a:srgbClr val="FFFFFF"/>
                 </a:solidFill>
               </a14:hiddenFill>
             </a:ext>
             <a:ext uri="{91240B29-F687-4f45-9708-019B960494DF}">
-              <a14:hiddenLine xmlns="" xmlns:a14="http://schemas.microsoft.com/office/drawing/2010/main" w="9525">
+              <a14:hiddenLine xmlns:a14="http://schemas.microsoft.com/office/drawing/2010/main" xmlns="" w="9525">
                 <a:solidFill>
                   <a:srgbClr val="000000"/>
                 </a:solidFill>

--- a/slides/pyspark/graphframes/intro_to_graphframes/9.2_introduction_to_GraphFrames.pptx
+++ b/slides/pyspark/graphframes/intro_to_graphframes/9.2_introduction_to_GraphFrames.pptx
@@ -274,7 +274,7 @@
               <a:pPr>
                 <a:defRPr/>
               </a:pPr>
-              <a:t>2/25/23</a:t>
+              <a:t>5/24/23</a:t>
             </a:fld>
             <a:endParaRPr lang="en-US"/>
           </a:p>
@@ -498,7 +498,7 @@
               <a:pPr>
                 <a:defRPr/>
               </a:pPr>
-              <a:t>2/25/23</a:t>
+              <a:t>5/24/23</a:t>
             </a:fld>
             <a:endParaRPr lang="en-US"/>
           </a:p>
@@ -6596,17 +6596,17 @@
           </a:ln>
           <a:extLst>
             <a:ext uri="{FAA26D3D-D897-4be2-8F04-BA451C77F1D7}">
-              <ma14:placeholderFlag xmlns:ma14="http://schemas.microsoft.com/office/mac/drawingml/2011/main" xmlns="" val="1"/>
+              <ma14:placeholderFlag xmlns="" xmlns:ma14="http://schemas.microsoft.com/office/mac/drawingml/2011/main" val="1"/>
             </a:ext>
             <a:ext uri="{909E8E84-426E-40dd-AFC4-6F175D3DCCD1}">
-              <a14:hiddenFill xmlns:a14="http://schemas.microsoft.com/office/drawing/2010/main" xmlns="">
+              <a14:hiddenFill xmlns="" xmlns:a14="http://schemas.microsoft.com/office/drawing/2010/main">
                 <a:solidFill>
                   <a:srgbClr val="FFFFFF"/>
                 </a:solidFill>
               </a14:hiddenFill>
             </a:ext>
             <a:ext uri="{91240B29-F687-4f45-9708-019B960494DF}">
-              <a14:hiddenLine xmlns:a14="http://schemas.microsoft.com/office/drawing/2010/main" xmlns="" w="9525">
+              <a14:hiddenLine xmlns="" xmlns:a14="http://schemas.microsoft.com/office/drawing/2010/main" w="9525">
                 <a:solidFill>
                   <a:srgbClr val="000000"/>
                 </a:solidFill>
@@ -7020,17 +7020,17 @@
           </a:ln>
           <a:extLst>
             <a:ext uri="{FAA26D3D-D897-4be2-8F04-BA451C77F1D7}">
-              <ma14:placeholderFlag xmlns:ma14="http://schemas.microsoft.com/office/mac/drawingml/2011/main" xmlns="" val="1"/>
+              <ma14:placeholderFlag xmlns="" xmlns:ma14="http://schemas.microsoft.com/office/mac/drawingml/2011/main" val="1"/>
             </a:ext>
             <a:ext uri="{909E8E84-426E-40dd-AFC4-6F175D3DCCD1}">
-              <a14:hiddenFill xmlns:a14="http://schemas.microsoft.com/office/drawing/2010/main" xmlns="">
+              <a14:hiddenFill xmlns="" xmlns:a14="http://schemas.microsoft.com/office/drawing/2010/main">
                 <a:solidFill>
                   <a:srgbClr val="FFFFFF"/>
                 </a:solidFill>
               </a14:hiddenFill>
             </a:ext>
             <a:ext uri="{91240B29-F687-4f45-9708-019B960494DF}">
-              <a14:hiddenLine xmlns:a14="http://schemas.microsoft.com/office/drawing/2010/main" xmlns="" w="9525">
+              <a14:hiddenLine xmlns="" xmlns:a14="http://schemas.microsoft.com/office/drawing/2010/main" w="9525">
                 <a:solidFill>
                   <a:srgbClr val="000000"/>
                 </a:solidFill>
@@ -7592,17 +7592,17 @@
           </a:ln>
           <a:extLst>
             <a:ext uri="{FAA26D3D-D897-4be2-8F04-BA451C77F1D7}">
-              <ma14:placeholderFlag xmlns:ma14="http://schemas.microsoft.com/office/mac/drawingml/2011/main" xmlns="" val="1"/>
+              <ma14:placeholderFlag xmlns="" xmlns:ma14="http://schemas.microsoft.com/office/mac/drawingml/2011/main" val="1"/>
             </a:ext>
             <a:ext uri="{909E8E84-426E-40dd-AFC4-6F175D3DCCD1}">
-              <a14:hiddenFill xmlns:a14="http://schemas.microsoft.com/office/drawing/2010/main" xmlns="">
+              <a14:hiddenFill xmlns="" xmlns:a14="http://schemas.microsoft.com/office/drawing/2010/main">
                 <a:solidFill>
                   <a:srgbClr val="FFFFFF"/>
                 </a:solidFill>
               </a14:hiddenFill>
             </a:ext>
             <a:ext uri="{91240B29-F687-4f45-9708-019B960494DF}">
-              <a14:hiddenLine xmlns:a14="http://schemas.microsoft.com/office/drawing/2010/main" xmlns="" w="9525">
+              <a14:hiddenLine xmlns="" xmlns:a14="http://schemas.microsoft.com/office/drawing/2010/main" w="9525">
                 <a:solidFill>
                   <a:srgbClr val="000000"/>
                 </a:solidFill>
@@ -7716,7 +7716,7 @@
                       <a:noFill/>
                       <a:extLst>
                         <a:ext uri="{909E8E84-426E-40dd-AFC4-6F175D3DCCD1}">
-                          <a14:hiddenFill xmlns:a14="http://schemas.microsoft.com/office/drawing/2010/main" xmlns="">
+                          <a14:hiddenFill xmlns="" xmlns:a14="http://schemas.microsoft.com/office/drawing/2010/main">
                             <a:solidFill>
                               <a:srgbClr val="FFFFFF"/>
                             </a:solidFill>
@@ -7834,17 +7834,17 @@
           </a:ln>
           <a:extLst>
             <a:ext uri="{FAA26D3D-D897-4be2-8F04-BA451C77F1D7}">
-              <ma14:placeholderFlag xmlns:ma14="http://schemas.microsoft.com/office/mac/drawingml/2011/main" xmlns="" val="1"/>
+              <ma14:placeholderFlag xmlns="" xmlns:ma14="http://schemas.microsoft.com/office/mac/drawingml/2011/main" val="1"/>
             </a:ext>
             <a:ext uri="{909E8E84-426E-40dd-AFC4-6F175D3DCCD1}">
-              <a14:hiddenFill xmlns:a14="http://schemas.microsoft.com/office/drawing/2010/main" xmlns="">
+              <a14:hiddenFill xmlns="" xmlns:a14="http://schemas.microsoft.com/office/drawing/2010/main">
                 <a:solidFill>
                   <a:srgbClr val="FFFFFF"/>
                 </a:solidFill>
               </a14:hiddenFill>
             </a:ext>
             <a:ext uri="{91240B29-F687-4f45-9708-019B960494DF}">
-              <a14:hiddenLine xmlns:a14="http://schemas.microsoft.com/office/drawing/2010/main" xmlns="" w="9525">
+              <a14:hiddenLine xmlns="" xmlns:a14="http://schemas.microsoft.com/office/drawing/2010/main" w="9525">
                 <a:solidFill>
                   <a:srgbClr val="000000"/>
                 </a:solidFill>
@@ -8155,14 +8155,14 @@
           </a:ln>
           <a:extLst>
             <a:ext uri="{909E8E84-426E-40dd-AFC4-6F175D3DCCD1}">
-              <a14:hiddenFill xmlns:a14="http://schemas.microsoft.com/office/drawing/2010/main" xmlns="">
+              <a14:hiddenFill xmlns="" xmlns:a14="http://schemas.microsoft.com/office/drawing/2010/main">
                 <a:solidFill>
                   <a:srgbClr val="FFFFFF"/>
                 </a:solidFill>
               </a14:hiddenFill>
             </a:ext>
             <a:ext uri="{91240B29-F687-4f45-9708-019B960494DF}">
-              <a14:hiddenLine xmlns:a14="http://schemas.microsoft.com/office/drawing/2010/main" xmlns="" w="9525">
+              <a14:hiddenLine xmlns="" xmlns:a14="http://schemas.microsoft.com/office/drawing/2010/main" w="9525">
                 <a:solidFill>
                   <a:srgbClr val="000000"/>
                 </a:solidFill>
@@ -8209,14 +8209,14 @@
           </a:ln>
           <a:extLst>
             <a:ext uri="{909E8E84-426E-40dd-AFC4-6F175D3DCCD1}">
-              <a14:hiddenFill xmlns:a14="http://schemas.microsoft.com/office/drawing/2010/main" xmlns="">
+              <a14:hiddenFill xmlns="" xmlns:a14="http://schemas.microsoft.com/office/drawing/2010/main">
                 <a:solidFill>
                   <a:srgbClr val="FFFFFF"/>
                 </a:solidFill>
               </a14:hiddenFill>
             </a:ext>
             <a:ext uri="{91240B29-F687-4f45-9708-019B960494DF}">
-              <a14:hiddenLine xmlns:a14="http://schemas.microsoft.com/office/drawing/2010/main" xmlns="" w="9525">
+              <a14:hiddenLine xmlns="" xmlns:a14="http://schemas.microsoft.com/office/drawing/2010/main" w="9525">
                 <a:solidFill>
                   <a:srgbClr val="000000"/>
                 </a:solidFill>
@@ -8263,14 +8263,14 @@
           </a:ln>
           <a:extLst>
             <a:ext uri="{909E8E84-426E-40dd-AFC4-6F175D3DCCD1}">
-              <a14:hiddenFill xmlns:a14="http://schemas.microsoft.com/office/drawing/2010/main" xmlns="">
+              <a14:hiddenFill xmlns="" xmlns:a14="http://schemas.microsoft.com/office/drawing/2010/main">
                 <a:solidFill>
                   <a:srgbClr val="FFFFFF"/>
                 </a:solidFill>
               </a14:hiddenFill>
             </a:ext>
             <a:ext uri="{91240B29-F687-4f45-9708-019B960494DF}">
-              <a14:hiddenLine xmlns:a14="http://schemas.microsoft.com/office/drawing/2010/main" xmlns="" w="9525">
+              <a14:hiddenLine xmlns="" xmlns:a14="http://schemas.microsoft.com/office/drawing/2010/main" w="9525">
                 <a:solidFill>
                   <a:srgbClr val="000000"/>
                 </a:solidFill>
@@ -8317,14 +8317,14 @@
           </a:ln>
           <a:extLst>
             <a:ext uri="{909E8E84-426E-40dd-AFC4-6F175D3DCCD1}">
-              <a14:hiddenFill xmlns:a14="http://schemas.microsoft.com/office/drawing/2010/main" xmlns="">
+              <a14:hiddenFill xmlns="" xmlns:a14="http://schemas.microsoft.com/office/drawing/2010/main">
                 <a:solidFill>
                   <a:srgbClr val="FFFFFF"/>
                 </a:solidFill>
               </a14:hiddenFill>
             </a:ext>
             <a:ext uri="{91240B29-F687-4f45-9708-019B960494DF}">
-              <a14:hiddenLine xmlns:a14="http://schemas.microsoft.com/office/drawing/2010/main" xmlns="" w="9525">
+              <a14:hiddenLine xmlns="" xmlns:a14="http://schemas.microsoft.com/office/drawing/2010/main" w="9525">
                 <a:solidFill>
                   <a:srgbClr val="000000"/>
                 </a:solidFill>
@@ -8371,14 +8371,14 @@
           </a:ln>
           <a:extLst>
             <a:ext uri="{909E8E84-426E-40dd-AFC4-6F175D3DCCD1}">
-              <a14:hiddenFill xmlns:a14="http://schemas.microsoft.com/office/drawing/2010/main" xmlns="">
+              <a14:hiddenFill xmlns="" xmlns:a14="http://schemas.microsoft.com/office/drawing/2010/main">
                 <a:solidFill>
                   <a:srgbClr val="FFFFFF"/>
                 </a:solidFill>
               </a14:hiddenFill>
             </a:ext>
             <a:ext uri="{91240B29-F687-4f45-9708-019B960494DF}">
-              <a14:hiddenLine xmlns:a14="http://schemas.microsoft.com/office/drawing/2010/main" xmlns="" w="9525">
+              <a14:hiddenLine xmlns="" xmlns:a14="http://schemas.microsoft.com/office/drawing/2010/main" w="9525">
                 <a:solidFill>
                   <a:srgbClr val="000000"/>
                 </a:solidFill>
@@ -8425,14 +8425,14 @@
           </a:ln>
           <a:extLst>
             <a:ext uri="{909E8E84-426E-40dd-AFC4-6F175D3DCCD1}">
-              <a14:hiddenFill xmlns:a14="http://schemas.microsoft.com/office/drawing/2010/main" xmlns="">
+              <a14:hiddenFill xmlns="" xmlns:a14="http://schemas.microsoft.com/office/drawing/2010/main">
                 <a:solidFill>
                   <a:srgbClr val="FFFFFF"/>
                 </a:solidFill>
               </a14:hiddenFill>
             </a:ext>
             <a:ext uri="{91240B29-F687-4f45-9708-019B960494DF}">
-              <a14:hiddenLine xmlns:a14="http://schemas.microsoft.com/office/drawing/2010/main" xmlns="" w="9525">
+              <a14:hiddenLine xmlns="" xmlns:a14="http://schemas.microsoft.com/office/drawing/2010/main" w="9525">
                 <a:solidFill>
                   <a:srgbClr val="000000"/>
                 </a:solidFill>
@@ -8479,14 +8479,14 @@
           </a:ln>
           <a:extLst>
             <a:ext uri="{909E8E84-426E-40dd-AFC4-6F175D3DCCD1}">
-              <a14:hiddenFill xmlns:a14="http://schemas.microsoft.com/office/drawing/2010/main" xmlns="">
+              <a14:hiddenFill xmlns="" xmlns:a14="http://schemas.microsoft.com/office/drawing/2010/main">
                 <a:solidFill>
                   <a:srgbClr val="FFFFFF"/>
                 </a:solidFill>
               </a14:hiddenFill>
             </a:ext>
             <a:ext uri="{91240B29-F687-4f45-9708-019B960494DF}">
-              <a14:hiddenLine xmlns:a14="http://schemas.microsoft.com/office/drawing/2010/main" xmlns="" w="9525">
+              <a14:hiddenLine xmlns="" xmlns:a14="http://schemas.microsoft.com/office/drawing/2010/main" w="9525">
                 <a:solidFill>
                   <a:srgbClr val="000000"/>
                 </a:solidFill>
@@ -8533,14 +8533,14 @@
           </a:ln>
           <a:extLst>
             <a:ext uri="{909E8E84-426E-40dd-AFC4-6F175D3DCCD1}">
-              <a14:hiddenFill xmlns:a14="http://schemas.microsoft.com/office/drawing/2010/main" xmlns="">
+              <a14:hiddenFill xmlns="" xmlns:a14="http://schemas.microsoft.com/office/drawing/2010/main">
                 <a:solidFill>
                   <a:srgbClr val="FFFFFF"/>
                 </a:solidFill>
               </a14:hiddenFill>
             </a:ext>
             <a:ext uri="{91240B29-F687-4f45-9708-019B960494DF}">
-              <a14:hiddenLine xmlns:a14="http://schemas.microsoft.com/office/drawing/2010/main" xmlns="" w="9525">
+              <a14:hiddenLine xmlns="" xmlns:a14="http://schemas.microsoft.com/office/drawing/2010/main" w="9525">
                 <a:solidFill>
                   <a:srgbClr val="000000"/>
                 </a:solidFill>
@@ -8587,14 +8587,14 @@
           </a:ln>
           <a:extLst>
             <a:ext uri="{909E8E84-426E-40dd-AFC4-6F175D3DCCD1}">
-              <a14:hiddenFill xmlns:a14="http://schemas.microsoft.com/office/drawing/2010/main" xmlns="">
+              <a14:hiddenFill xmlns="" xmlns:a14="http://schemas.microsoft.com/office/drawing/2010/main">
                 <a:solidFill>
                   <a:srgbClr val="FFFFFF"/>
                 </a:solidFill>
               </a14:hiddenFill>
             </a:ext>
             <a:ext uri="{91240B29-F687-4f45-9708-019B960494DF}">
-              <a14:hiddenLine xmlns:a14="http://schemas.microsoft.com/office/drawing/2010/main" xmlns="" w="9525">
+              <a14:hiddenLine xmlns="" xmlns:a14="http://schemas.microsoft.com/office/drawing/2010/main" w="9525">
                 <a:solidFill>
                   <a:srgbClr val="000000"/>
                 </a:solidFill>
@@ -8641,14 +8641,14 @@
           </a:ln>
           <a:extLst>
             <a:ext uri="{909E8E84-426E-40dd-AFC4-6F175D3DCCD1}">
-              <a14:hiddenFill xmlns:a14="http://schemas.microsoft.com/office/drawing/2010/main" xmlns="">
+              <a14:hiddenFill xmlns="" xmlns:a14="http://schemas.microsoft.com/office/drawing/2010/main">
                 <a:solidFill>
                   <a:srgbClr val="FFFFFF"/>
                 </a:solidFill>
               </a14:hiddenFill>
             </a:ext>
             <a:ext uri="{91240B29-F687-4f45-9708-019B960494DF}">
-              <a14:hiddenLine xmlns:a14="http://schemas.microsoft.com/office/drawing/2010/main" xmlns="" w="9525">
+              <a14:hiddenLine xmlns="" xmlns:a14="http://schemas.microsoft.com/office/drawing/2010/main" w="9525">
                 <a:solidFill>
                   <a:srgbClr val="000000"/>
                 </a:solidFill>
@@ -8695,14 +8695,14 @@
           </a:ln>
           <a:extLst>
             <a:ext uri="{909E8E84-426E-40dd-AFC4-6F175D3DCCD1}">
-              <a14:hiddenFill xmlns:a14="http://schemas.microsoft.com/office/drawing/2010/main" xmlns="">
+              <a14:hiddenFill xmlns="" xmlns:a14="http://schemas.microsoft.com/office/drawing/2010/main">
                 <a:solidFill>
                   <a:srgbClr val="FFFFFF"/>
                 </a:solidFill>
               </a14:hiddenFill>
             </a:ext>
             <a:ext uri="{91240B29-F687-4f45-9708-019B960494DF}">
-              <a14:hiddenLine xmlns:a14="http://schemas.microsoft.com/office/drawing/2010/main" xmlns="" w="9525">
+              <a14:hiddenLine xmlns="" xmlns:a14="http://schemas.microsoft.com/office/drawing/2010/main" w="9525">
                 <a:solidFill>
                   <a:srgbClr val="000000"/>
                 </a:solidFill>
@@ -8749,14 +8749,14 @@
           </a:ln>
           <a:extLst>
             <a:ext uri="{909E8E84-426E-40dd-AFC4-6F175D3DCCD1}">
-              <a14:hiddenFill xmlns:a14="http://schemas.microsoft.com/office/drawing/2010/main" xmlns="">
+              <a14:hiddenFill xmlns="" xmlns:a14="http://schemas.microsoft.com/office/drawing/2010/main">
                 <a:solidFill>
                   <a:srgbClr val="FFFFFF"/>
                 </a:solidFill>
               </a14:hiddenFill>
             </a:ext>
             <a:ext uri="{91240B29-F687-4f45-9708-019B960494DF}">
-              <a14:hiddenLine xmlns:a14="http://schemas.microsoft.com/office/drawing/2010/main" xmlns="" w="9525">
+              <a14:hiddenLine xmlns="" xmlns:a14="http://schemas.microsoft.com/office/drawing/2010/main" w="9525">
                 <a:solidFill>
                   <a:srgbClr val="000000"/>
                 </a:solidFill>
@@ -8803,14 +8803,14 @@
           </a:ln>
           <a:extLst>
             <a:ext uri="{909E8E84-426E-40dd-AFC4-6F175D3DCCD1}">
-              <a14:hiddenFill xmlns:a14="http://schemas.microsoft.com/office/drawing/2010/main" xmlns="">
+              <a14:hiddenFill xmlns="" xmlns:a14="http://schemas.microsoft.com/office/drawing/2010/main">
                 <a:solidFill>
                   <a:srgbClr val="FFFFFF"/>
                 </a:solidFill>
               </a14:hiddenFill>
             </a:ext>
             <a:ext uri="{91240B29-F687-4f45-9708-019B960494DF}">
-              <a14:hiddenLine xmlns:a14="http://schemas.microsoft.com/office/drawing/2010/main" xmlns="" w="9525">
+              <a14:hiddenLine xmlns="" xmlns:a14="http://schemas.microsoft.com/office/drawing/2010/main" w="9525">
                 <a:solidFill>
                   <a:srgbClr val="000000"/>
                 </a:solidFill>
@@ -8857,14 +8857,14 @@
           </a:ln>
           <a:extLst>
             <a:ext uri="{909E8E84-426E-40dd-AFC4-6F175D3DCCD1}">
-              <a14:hiddenFill xmlns:a14="http://schemas.microsoft.com/office/drawing/2010/main" xmlns="">
+              <a14:hiddenFill xmlns="" xmlns:a14="http://schemas.microsoft.com/office/drawing/2010/main">
                 <a:solidFill>
                   <a:srgbClr val="FFFFFF"/>
                 </a:solidFill>
               </a14:hiddenFill>
             </a:ext>
             <a:ext uri="{91240B29-F687-4f45-9708-019B960494DF}">
-              <a14:hiddenLine xmlns:a14="http://schemas.microsoft.com/office/drawing/2010/main" xmlns="" w="9525">
+              <a14:hiddenLine xmlns="" xmlns:a14="http://schemas.microsoft.com/office/drawing/2010/main" w="9525">
                 <a:solidFill>
                   <a:srgbClr val="000000"/>
                 </a:solidFill>
@@ -8911,14 +8911,14 @@
           </a:ln>
           <a:extLst>
             <a:ext uri="{909E8E84-426E-40dd-AFC4-6F175D3DCCD1}">
-              <a14:hiddenFill xmlns:a14="http://schemas.microsoft.com/office/drawing/2010/main" xmlns="">
+              <a14:hiddenFill xmlns="" xmlns:a14="http://schemas.microsoft.com/office/drawing/2010/main">
                 <a:solidFill>
                   <a:srgbClr val="FFFFFF"/>
                 </a:solidFill>
               </a14:hiddenFill>
             </a:ext>
             <a:ext uri="{91240B29-F687-4f45-9708-019B960494DF}">
-              <a14:hiddenLine xmlns:a14="http://schemas.microsoft.com/office/drawing/2010/main" xmlns="" w="9525">
+              <a14:hiddenLine xmlns="" xmlns:a14="http://schemas.microsoft.com/office/drawing/2010/main" w="9525">
                 <a:solidFill>
                   <a:srgbClr val="000000"/>
                 </a:solidFill>
@@ -8965,14 +8965,14 @@
           </a:ln>
           <a:extLst>
             <a:ext uri="{909E8E84-426E-40dd-AFC4-6F175D3DCCD1}">
-              <a14:hiddenFill xmlns:a14="http://schemas.microsoft.com/office/drawing/2010/main" xmlns="">
+              <a14:hiddenFill xmlns="" xmlns:a14="http://schemas.microsoft.com/office/drawing/2010/main">
                 <a:solidFill>
                   <a:srgbClr val="FFFFFF"/>
                 </a:solidFill>
               </a14:hiddenFill>
             </a:ext>
             <a:ext uri="{91240B29-F687-4f45-9708-019B960494DF}">
-              <a14:hiddenLine xmlns:a14="http://schemas.microsoft.com/office/drawing/2010/main" xmlns="" w="9525">
+              <a14:hiddenLine xmlns="" xmlns:a14="http://schemas.microsoft.com/office/drawing/2010/main" w="9525">
                 <a:solidFill>
                   <a:srgbClr val="000000"/>
                 </a:solidFill>
@@ -9019,14 +9019,14 @@
           </a:ln>
           <a:extLst>
             <a:ext uri="{909E8E84-426E-40dd-AFC4-6F175D3DCCD1}">
-              <a14:hiddenFill xmlns:a14="http://schemas.microsoft.com/office/drawing/2010/main" xmlns="">
+              <a14:hiddenFill xmlns="" xmlns:a14="http://schemas.microsoft.com/office/drawing/2010/main">
                 <a:solidFill>
                   <a:srgbClr val="FFFFFF"/>
                 </a:solidFill>
               </a14:hiddenFill>
             </a:ext>
             <a:ext uri="{91240B29-F687-4f45-9708-019B960494DF}">
-              <a14:hiddenLine xmlns:a14="http://schemas.microsoft.com/office/drawing/2010/main" xmlns="" w="9525">
+              <a14:hiddenLine xmlns="" xmlns:a14="http://schemas.microsoft.com/office/drawing/2010/main" w="9525">
                 <a:solidFill>
                   <a:srgbClr val="000000"/>
                 </a:solidFill>
@@ -9060,14 +9060,14 @@
           </a:ln>
           <a:extLst>
             <a:ext uri="{909E8E84-426E-40dd-AFC4-6F175D3DCCD1}">
-              <a14:hiddenFill xmlns:a14="http://schemas.microsoft.com/office/drawing/2010/main" xmlns="">
+              <a14:hiddenFill xmlns="" xmlns:a14="http://schemas.microsoft.com/office/drawing/2010/main">
                 <a:solidFill>
                   <a:srgbClr val="FFFFFF"/>
                 </a:solidFill>
               </a14:hiddenFill>
             </a:ext>
             <a:ext uri="{91240B29-F687-4f45-9708-019B960494DF}">
-              <a14:hiddenLine xmlns:a14="http://schemas.microsoft.com/office/drawing/2010/main" xmlns="" w="9525">
+              <a14:hiddenLine xmlns="" xmlns:a14="http://schemas.microsoft.com/office/drawing/2010/main" w="9525">
                 <a:solidFill>
                   <a:srgbClr val="000000"/>
                 </a:solidFill>
@@ -9222,14 +9222,14 @@
           </a:ln>
           <a:extLst>
             <a:ext uri="{909E8E84-426E-40dd-AFC4-6F175D3DCCD1}">
-              <a14:hiddenFill xmlns:a14="http://schemas.microsoft.com/office/drawing/2010/main" xmlns="">
+              <a14:hiddenFill xmlns="" xmlns:a14="http://schemas.microsoft.com/office/drawing/2010/main">
                 <a:solidFill>
                   <a:srgbClr val="FFFFFF"/>
                 </a:solidFill>
               </a14:hiddenFill>
             </a:ext>
             <a:ext uri="{91240B29-F687-4f45-9708-019B960494DF}">
-              <a14:hiddenLine xmlns:a14="http://schemas.microsoft.com/office/drawing/2010/main" xmlns="" w="9525">
+              <a14:hiddenLine xmlns="" xmlns:a14="http://schemas.microsoft.com/office/drawing/2010/main" w="9525">
                 <a:solidFill>
                   <a:srgbClr val="000000"/>
                 </a:solidFill>
@@ -9384,14 +9384,14 @@
           </a:ln>
           <a:extLst>
             <a:ext uri="{909E8E84-426E-40dd-AFC4-6F175D3DCCD1}">
-              <a14:hiddenFill xmlns:a14="http://schemas.microsoft.com/office/drawing/2010/main" xmlns="">
+              <a14:hiddenFill xmlns="" xmlns:a14="http://schemas.microsoft.com/office/drawing/2010/main">
                 <a:solidFill>
                   <a:srgbClr val="FFFFFF"/>
                 </a:solidFill>
               </a14:hiddenFill>
             </a:ext>
             <a:ext uri="{91240B29-F687-4f45-9708-019B960494DF}">
-              <a14:hiddenLine xmlns:a14="http://schemas.microsoft.com/office/drawing/2010/main" xmlns="" w="9525">
+              <a14:hiddenLine xmlns="" xmlns:a14="http://schemas.microsoft.com/office/drawing/2010/main" w="9525">
                 <a:solidFill>
                   <a:srgbClr val="000000"/>
                 </a:solidFill>
@@ -9546,14 +9546,14 @@
           </a:ln>
           <a:extLst>
             <a:ext uri="{909E8E84-426E-40dd-AFC4-6F175D3DCCD1}">
-              <a14:hiddenFill xmlns:a14="http://schemas.microsoft.com/office/drawing/2010/main" xmlns="">
+              <a14:hiddenFill xmlns="" xmlns:a14="http://schemas.microsoft.com/office/drawing/2010/main">
                 <a:solidFill>
                   <a:srgbClr val="FFFFFF"/>
                 </a:solidFill>
               </a14:hiddenFill>
             </a:ext>
             <a:ext uri="{91240B29-F687-4f45-9708-019B960494DF}">
-              <a14:hiddenLine xmlns:a14="http://schemas.microsoft.com/office/drawing/2010/main" xmlns="" w="9525">
+              <a14:hiddenLine xmlns="" xmlns:a14="http://schemas.microsoft.com/office/drawing/2010/main" w="9525">
                 <a:solidFill>
                   <a:srgbClr val="000000"/>
                 </a:solidFill>
@@ -9720,14 +9720,14 @@
           </a:ln>
           <a:extLst>
             <a:ext uri="{909E8E84-426E-40dd-AFC4-6F175D3DCCD1}">
-              <a14:hiddenFill xmlns:a14="http://schemas.microsoft.com/office/drawing/2010/main" xmlns="">
+              <a14:hiddenFill xmlns="" xmlns:a14="http://schemas.microsoft.com/office/drawing/2010/main">
                 <a:solidFill>
                   <a:srgbClr val="FFFFFF"/>
                 </a:solidFill>
               </a14:hiddenFill>
             </a:ext>
             <a:ext uri="{91240B29-F687-4f45-9708-019B960494DF}">
-              <a14:hiddenLine xmlns:a14="http://schemas.microsoft.com/office/drawing/2010/main" xmlns="" w="9525">
+              <a14:hiddenLine xmlns="" xmlns:a14="http://schemas.microsoft.com/office/drawing/2010/main" w="9525">
                 <a:solidFill>
                   <a:srgbClr val="000000"/>
                 </a:solidFill>
@@ -9882,14 +9882,14 @@
           </a:ln>
           <a:extLst>
             <a:ext uri="{909E8E84-426E-40dd-AFC4-6F175D3DCCD1}">
-              <a14:hiddenFill xmlns:a14="http://schemas.microsoft.com/office/drawing/2010/main" xmlns="">
+              <a14:hiddenFill xmlns="" xmlns:a14="http://schemas.microsoft.com/office/drawing/2010/main">
                 <a:solidFill>
                   <a:srgbClr val="FFFFFF"/>
                 </a:solidFill>
               </a14:hiddenFill>
             </a:ext>
             <a:ext uri="{91240B29-F687-4f45-9708-019B960494DF}">
-              <a14:hiddenLine xmlns:a14="http://schemas.microsoft.com/office/drawing/2010/main" xmlns="" w="9525">
+              <a14:hiddenLine xmlns="" xmlns:a14="http://schemas.microsoft.com/office/drawing/2010/main" w="9525">
                 <a:solidFill>
                   <a:srgbClr val="000000"/>
                 </a:solidFill>
@@ -10044,14 +10044,14 @@
           </a:ln>
           <a:extLst>
             <a:ext uri="{909E8E84-426E-40dd-AFC4-6F175D3DCCD1}">
-              <a14:hiddenFill xmlns:a14="http://schemas.microsoft.com/office/drawing/2010/main" xmlns="">
+              <a14:hiddenFill xmlns="" xmlns:a14="http://schemas.microsoft.com/office/drawing/2010/main">
                 <a:solidFill>
                   <a:srgbClr val="FFFFFF"/>
                 </a:solidFill>
               </a14:hiddenFill>
             </a:ext>
             <a:ext uri="{91240B29-F687-4f45-9708-019B960494DF}">
-              <a14:hiddenLine xmlns:a14="http://schemas.microsoft.com/office/drawing/2010/main" xmlns="" w="9525">
+              <a14:hiddenLine xmlns="" xmlns:a14="http://schemas.microsoft.com/office/drawing/2010/main" w="9525">
                 <a:solidFill>
                   <a:srgbClr val="000000"/>
                 </a:solidFill>
@@ -10206,14 +10206,14 @@
           </a:ln>
           <a:extLst>
             <a:ext uri="{909E8E84-426E-40dd-AFC4-6F175D3DCCD1}">
-              <a14:hiddenFill xmlns:a14="http://schemas.microsoft.com/office/drawing/2010/main" xmlns="">
+              <a14:hiddenFill xmlns="" xmlns:a14="http://schemas.microsoft.com/office/drawing/2010/main">
                 <a:solidFill>
                   <a:srgbClr val="FFFFFF"/>
                 </a:solidFill>
               </a14:hiddenFill>
             </a:ext>
             <a:ext uri="{91240B29-F687-4f45-9708-019B960494DF}">
-              <a14:hiddenLine xmlns:a14="http://schemas.microsoft.com/office/drawing/2010/main" xmlns="" w="9525">
+              <a14:hiddenLine xmlns="" xmlns:a14="http://schemas.microsoft.com/office/drawing/2010/main" w="9525">
                 <a:solidFill>
                   <a:srgbClr val="000000"/>
                 </a:solidFill>
@@ -10368,14 +10368,14 @@
           </a:ln>
           <a:extLst>
             <a:ext uri="{909E8E84-426E-40dd-AFC4-6F175D3DCCD1}">
-              <a14:hiddenFill xmlns:a14="http://schemas.microsoft.com/office/drawing/2010/main" xmlns="">
+              <a14:hiddenFill xmlns="" xmlns:a14="http://schemas.microsoft.com/office/drawing/2010/main">
                 <a:solidFill>
                   <a:srgbClr val="FFFFFF"/>
                 </a:solidFill>
               </a14:hiddenFill>
             </a:ext>
             <a:ext uri="{91240B29-F687-4f45-9708-019B960494DF}">
-              <a14:hiddenLine xmlns:a14="http://schemas.microsoft.com/office/drawing/2010/main" xmlns="" w="9525">
+              <a14:hiddenLine xmlns="" xmlns:a14="http://schemas.microsoft.com/office/drawing/2010/main" w="9525">
                 <a:solidFill>
                   <a:srgbClr val="000000"/>
                 </a:solidFill>
@@ -10530,14 +10530,14 @@
           </a:ln>
           <a:extLst>
             <a:ext uri="{909E8E84-426E-40dd-AFC4-6F175D3DCCD1}">
-              <a14:hiddenFill xmlns:a14="http://schemas.microsoft.com/office/drawing/2010/main" xmlns="">
+              <a14:hiddenFill xmlns="" xmlns:a14="http://schemas.microsoft.com/office/drawing/2010/main">
                 <a:solidFill>
                   <a:srgbClr val="FFFFFF"/>
                 </a:solidFill>
               </a14:hiddenFill>
             </a:ext>
             <a:ext uri="{91240B29-F687-4f45-9708-019B960494DF}">
-              <a14:hiddenLine xmlns:a14="http://schemas.microsoft.com/office/drawing/2010/main" xmlns="" w="9525">
+              <a14:hiddenLine xmlns="" xmlns:a14="http://schemas.microsoft.com/office/drawing/2010/main" w="9525">
                 <a:solidFill>
                   <a:srgbClr val="000000"/>
                 </a:solidFill>
@@ -10692,14 +10692,14 @@
           </a:ln>
           <a:extLst>
             <a:ext uri="{909E8E84-426E-40dd-AFC4-6F175D3DCCD1}">
-              <a14:hiddenFill xmlns:a14="http://schemas.microsoft.com/office/drawing/2010/main" xmlns="">
+              <a14:hiddenFill xmlns="" xmlns:a14="http://schemas.microsoft.com/office/drawing/2010/main">
                 <a:solidFill>
                   <a:srgbClr val="FFFFFF"/>
                 </a:solidFill>
               </a14:hiddenFill>
             </a:ext>
             <a:ext uri="{91240B29-F687-4f45-9708-019B960494DF}">
-              <a14:hiddenLine xmlns:a14="http://schemas.microsoft.com/office/drawing/2010/main" xmlns="" w="9525">
+              <a14:hiddenLine xmlns="" xmlns:a14="http://schemas.microsoft.com/office/drawing/2010/main" w="9525">
                 <a:solidFill>
                   <a:srgbClr val="000000"/>
                 </a:solidFill>
@@ -10854,14 +10854,14 @@
           </a:ln>
           <a:extLst>
             <a:ext uri="{909E8E84-426E-40dd-AFC4-6F175D3DCCD1}">
-              <a14:hiddenFill xmlns:a14="http://schemas.microsoft.com/office/drawing/2010/main" xmlns="">
+              <a14:hiddenFill xmlns="" xmlns:a14="http://schemas.microsoft.com/office/drawing/2010/main">
                 <a:solidFill>
                   <a:srgbClr val="FFFFFF"/>
                 </a:solidFill>
               </a14:hiddenFill>
             </a:ext>
             <a:ext uri="{91240B29-F687-4f45-9708-019B960494DF}">
-              <a14:hiddenLine xmlns:a14="http://schemas.microsoft.com/office/drawing/2010/main" xmlns="" w="9525">
+              <a14:hiddenLine xmlns="" xmlns:a14="http://schemas.microsoft.com/office/drawing/2010/main" w="9525">
                 <a:solidFill>
                   <a:srgbClr val="000000"/>
                 </a:solidFill>
@@ -11016,14 +11016,14 @@
           </a:ln>
           <a:extLst>
             <a:ext uri="{909E8E84-426E-40dd-AFC4-6F175D3DCCD1}">
-              <a14:hiddenFill xmlns:a14="http://schemas.microsoft.com/office/drawing/2010/main" xmlns="">
+              <a14:hiddenFill xmlns="" xmlns:a14="http://schemas.microsoft.com/office/drawing/2010/main">
                 <a:solidFill>
                   <a:srgbClr val="FFFFFF"/>
                 </a:solidFill>
               </a14:hiddenFill>
             </a:ext>
             <a:ext uri="{91240B29-F687-4f45-9708-019B960494DF}">
-              <a14:hiddenLine xmlns:a14="http://schemas.microsoft.com/office/drawing/2010/main" xmlns="" w="9525">
+              <a14:hiddenLine xmlns="" xmlns:a14="http://schemas.microsoft.com/office/drawing/2010/main" w="9525">
                 <a:solidFill>
                   <a:srgbClr val="000000"/>
                 </a:solidFill>
@@ -11178,14 +11178,14 @@
           </a:ln>
           <a:extLst>
             <a:ext uri="{909E8E84-426E-40dd-AFC4-6F175D3DCCD1}">
-              <a14:hiddenFill xmlns:a14="http://schemas.microsoft.com/office/drawing/2010/main" xmlns="">
+              <a14:hiddenFill xmlns="" xmlns:a14="http://schemas.microsoft.com/office/drawing/2010/main">
                 <a:solidFill>
                   <a:srgbClr val="FFFFFF"/>
                 </a:solidFill>
               </a14:hiddenFill>
             </a:ext>
             <a:ext uri="{91240B29-F687-4f45-9708-019B960494DF}">
-              <a14:hiddenLine xmlns:a14="http://schemas.microsoft.com/office/drawing/2010/main" xmlns="" w="9525">
+              <a14:hiddenLine xmlns="" xmlns:a14="http://schemas.microsoft.com/office/drawing/2010/main" w="9525">
                 <a:solidFill>
                   <a:srgbClr val="000000"/>
                 </a:solidFill>
@@ -11340,14 +11340,14 @@
           </a:ln>
           <a:extLst>
             <a:ext uri="{909E8E84-426E-40dd-AFC4-6F175D3DCCD1}">
-              <a14:hiddenFill xmlns:a14="http://schemas.microsoft.com/office/drawing/2010/main" xmlns="">
+              <a14:hiddenFill xmlns="" xmlns:a14="http://schemas.microsoft.com/office/drawing/2010/main">
                 <a:solidFill>
                   <a:srgbClr val="FFFFFF"/>
                 </a:solidFill>
               </a14:hiddenFill>
             </a:ext>
             <a:ext uri="{91240B29-F687-4f45-9708-019B960494DF}">
-              <a14:hiddenLine xmlns:a14="http://schemas.microsoft.com/office/drawing/2010/main" xmlns="" w="9525">
+              <a14:hiddenLine xmlns="" xmlns:a14="http://schemas.microsoft.com/office/drawing/2010/main" w="9525">
                 <a:solidFill>
                   <a:srgbClr val="000000"/>
                 </a:solidFill>
@@ -11502,14 +11502,14 @@
           </a:ln>
           <a:extLst>
             <a:ext uri="{909E8E84-426E-40dd-AFC4-6F175D3DCCD1}">
-              <a14:hiddenFill xmlns:a14="http://schemas.microsoft.com/office/drawing/2010/main" xmlns="">
+              <a14:hiddenFill xmlns="" xmlns:a14="http://schemas.microsoft.com/office/drawing/2010/main">
                 <a:solidFill>
                   <a:srgbClr val="FFFFFF"/>
                 </a:solidFill>
               </a14:hiddenFill>
             </a:ext>
             <a:ext uri="{91240B29-F687-4f45-9708-019B960494DF}">
-              <a14:hiddenLine xmlns:a14="http://schemas.microsoft.com/office/drawing/2010/main" xmlns="" w="9525">
+              <a14:hiddenLine xmlns="" xmlns:a14="http://schemas.microsoft.com/office/drawing/2010/main" w="9525">
                 <a:solidFill>
                   <a:srgbClr val="000000"/>
                 </a:solidFill>
@@ -11664,14 +11664,14 @@
           </a:ln>
           <a:extLst>
             <a:ext uri="{909E8E84-426E-40dd-AFC4-6F175D3DCCD1}">
-              <a14:hiddenFill xmlns:a14="http://schemas.microsoft.com/office/drawing/2010/main" xmlns="">
+              <a14:hiddenFill xmlns="" xmlns:a14="http://schemas.microsoft.com/office/drawing/2010/main">
                 <a:solidFill>
                   <a:srgbClr val="FFFFFF"/>
                 </a:solidFill>
               </a14:hiddenFill>
             </a:ext>
             <a:ext uri="{91240B29-F687-4f45-9708-019B960494DF}">
-              <a14:hiddenLine xmlns:a14="http://schemas.microsoft.com/office/drawing/2010/main" xmlns="" w="9525">
+              <a14:hiddenLine xmlns="" xmlns:a14="http://schemas.microsoft.com/office/drawing/2010/main" w="9525">
                 <a:solidFill>
                   <a:srgbClr val="000000"/>
                 </a:solidFill>
@@ -11907,17 +11907,17 @@
           </a:ln>
           <a:extLst>
             <a:ext uri="{FAA26D3D-D897-4be2-8F04-BA451C77F1D7}">
-              <ma14:placeholderFlag xmlns:ma14="http://schemas.microsoft.com/office/mac/drawingml/2011/main" xmlns="" val="1"/>
+              <ma14:placeholderFlag xmlns="" xmlns:ma14="http://schemas.microsoft.com/office/mac/drawingml/2011/main" val="1"/>
             </a:ext>
             <a:ext uri="{909E8E84-426E-40dd-AFC4-6F175D3DCCD1}">
-              <a14:hiddenFill xmlns:a14="http://schemas.microsoft.com/office/drawing/2010/main" xmlns="">
+              <a14:hiddenFill xmlns="" xmlns:a14="http://schemas.microsoft.com/office/drawing/2010/main">
                 <a:solidFill>
                   <a:srgbClr val="FFFFFF"/>
                 </a:solidFill>
               </a14:hiddenFill>
             </a:ext>
             <a:ext uri="{91240B29-F687-4f45-9708-019B960494DF}">
-              <a14:hiddenLine xmlns:a14="http://schemas.microsoft.com/office/drawing/2010/main" xmlns="" w="9525">
+              <a14:hiddenLine xmlns="" xmlns:a14="http://schemas.microsoft.com/office/drawing/2010/main" w="9525">
                 <a:solidFill>
                   <a:srgbClr val="000000"/>
                 </a:solidFill>
@@ -12023,14 +12023,14 @@
           </a:ln>
           <a:extLst>
             <a:ext uri="{909E8E84-426E-40dd-AFC4-6F175D3DCCD1}">
-              <a14:hiddenFill xmlns:a14="http://schemas.microsoft.com/office/drawing/2010/main" xmlns="">
+              <a14:hiddenFill xmlns="" xmlns:a14="http://schemas.microsoft.com/office/drawing/2010/main">
                 <a:solidFill>
                   <a:srgbClr val="FFFFFF"/>
                 </a:solidFill>
               </a14:hiddenFill>
             </a:ext>
             <a:ext uri="{91240B29-F687-4f45-9708-019B960494DF}">
-              <a14:hiddenLine xmlns:a14="http://schemas.microsoft.com/office/drawing/2010/main" xmlns="" w="9525">
+              <a14:hiddenLine xmlns="" xmlns:a14="http://schemas.microsoft.com/office/drawing/2010/main" w="9525">
                 <a:solidFill>
                   <a:srgbClr val="000000"/>
                 </a:solidFill>
@@ -16882,18 +16882,27 @@
             </a:pPr>
             <a:r>
               <a:rPr lang="en-US" dirty="0">
+                <a:highlight>
+                  <a:srgbClr val="FFFF00"/>
+                </a:highlight>
                 <a:latin typeface="Courier" pitchFamily="2" charset="0"/>
               </a:rPr>
               <a:t>from </a:t>
             </a:r>
             <a:r>
               <a:rPr lang="en-US" dirty="0" err="1">
+                <a:highlight>
+                  <a:srgbClr val="FFFF00"/>
+                </a:highlight>
                 <a:latin typeface="Courier" pitchFamily="2" charset="0"/>
               </a:rPr>
               <a:t>graphframes</a:t>
             </a:r>
             <a:r>
               <a:rPr lang="en-US" dirty="0">
+                <a:highlight>
+                  <a:srgbClr val="FFFF00"/>
+                </a:highlight>
                 <a:latin typeface="Courier" pitchFamily="2" charset="0"/>
               </a:rPr>
               <a:t> import GraphFrame</a:t>
@@ -17158,6 +17167,9 @@
             </a:pPr>
             <a:r>
               <a:rPr lang="en-US" dirty="0">
+                <a:highlight>
+                  <a:srgbClr val="FFFF00"/>
+                </a:highlight>
                 <a:latin typeface="Courier" pitchFamily="2" charset="0"/>
                 <a:ea typeface="Consolas" charset="0"/>
                 <a:cs typeface="Consolas" charset="0"/>
@@ -17166,12 +17178,18 @@
             </a:r>
             <a:r>
               <a:rPr lang="en-US" dirty="0">
+                <a:highlight>
+                  <a:srgbClr val="FFFF00"/>
+                </a:highlight>
                 <a:latin typeface="Courier" pitchFamily="2" charset="0"/>
               </a:rPr>
               <a:t>vertices</a:t>
             </a:r>
             <a:r>
               <a:rPr lang="en-US" dirty="0">
+                <a:highlight>
+                  <a:srgbClr val="FFFF00"/>
+                </a:highlight>
                 <a:latin typeface="Courier" pitchFamily="2" charset="0"/>
                 <a:ea typeface="Consolas" charset="0"/>
                 <a:cs typeface="Consolas" charset="0"/>

--- a/slides/pyspark/graphframes/intro_to_graphframes/9.2_introduction_to_GraphFrames.pptx
+++ b/slides/pyspark/graphframes/intro_to_graphframes/9.2_introduction_to_GraphFrames.pptx
@@ -274,7 +274,7 @@
               <a:pPr>
                 <a:defRPr/>
               </a:pPr>
-              <a:t>5/24/23</a:t>
+              <a:t>6/3/24</a:t>
             </a:fld>
             <a:endParaRPr lang="en-US"/>
           </a:p>
@@ -498,7 +498,7 @@
               <a:pPr>
                 <a:defRPr/>
               </a:pPr>
-              <a:t>5/24/23</a:t>
+              <a:t>6/3/24</a:t>
             </a:fld>
             <a:endParaRPr lang="en-US"/>
           </a:p>
@@ -6596,17 +6596,17 @@
           </a:ln>
           <a:extLst>
             <a:ext uri="{FAA26D3D-D897-4be2-8F04-BA451C77F1D7}">
-              <ma14:placeholderFlag xmlns="" xmlns:ma14="http://schemas.microsoft.com/office/mac/drawingml/2011/main" val="1"/>
+              <ma14:placeholderFlag xmlns:ma14="http://schemas.microsoft.com/office/mac/drawingml/2011/main" xmlns="" val="1"/>
             </a:ext>
             <a:ext uri="{909E8E84-426E-40dd-AFC4-6F175D3DCCD1}">
-              <a14:hiddenFill xmlns="" xmlns:a14="http://schemas.microsoft.com/office/drawing/2010/main">
+              <a14:hiddenFill xmlns:a14="http://schemas.microsoft.com/office/drawing/2010/main" xmlns="">
                 <a:solidFill>
                   <a:srgbClr val="FFFFFF"/>
                 </a:solidFill>
               </a14:hiddenFill>
             </a:ext>
             <a:ext uri="{91240B29-F687-4f45-9708-019B960494DF}">
-              <a14:hiddenLine xmlns="" xmlns:a14="http://schemas.microsoft.com/office/drawing/2010/main" w="9525">
+              <a14:hiddenLine xmlns:a14="http://schemas.microsoft.com/office/drawing/2010/main" xmlns="" w="9525">
                 <a:solidFill>
                   <a:srgbClr val="000000"/>
                 </a:solidFill>
@@ -7020,17 +7020,17 @@
           </a:ln>
           <a:extLst>
             <a:ext uri="{FAA26D3D-D897-4be2-8F04-BA451C77F1D7}">
-              <ma14:placeholderFlag xmlns="" xmlns:ma14="http://schemas.microsoft.com/office/mac/drawingml/2011/main" val="1"/>
+              <ma14:placeholderFlag xmlns:ma14="http://schemas.microsoft.com/office/mac/drawingml/2011/main" xmlns="" val="1"/>
             </a:ext>
             <a:ext uri="{909E8E84-426E-40dd-AFC4-6F175D3DCCD1}">
-              <a14:hiddenFill xmlns="" xmlns:a14="http://schemas.microsoft.com/office/drawing/2010/main">
+              <a14:hiddenFill xmlns:a14="http://schemas.microsoft.com/office/drawing/2010/main" xmlns="">
                 <a:solidFill>
                   <a:srgbClr val="FFFFFF"/>
                 </a:solidFill>
               </a14:hiddenFill>
             </a:ext>
             <a:ext uri="{91240B29-F687-4f45-9708-019B960494DF}">
-              <a14:hiddenLine xmlns="" xmlns:a14="http://schemas.microsoft.com/office/drawing/2010/main" w="9525">
+              <a14:hiddenLine xmlns:a14="http://schemas.microsoft.com/office/drawing/2010/main" xmlns="" w="9525">
                 <a:solidFill>
                   <a:srgbClr val="000000"/>
                 </a:solidFill>
@@ -7592,17 +7592,17 @@
           </a:ln>
           <a:extLst>
             <a:ext uri="{FAA26D3D-D897-4be2-8F04-BA451C77F1D7}">
-              <ma14:placeholderFlag xmlns="" xmlns:ma14="http://schemas.microsoft.com/office/mac/drawingml/2011/main" val="1"/>
+              <ma14:placeholderFlag xmlns:ma14="http://schemas.microsoft.com/office/mac/drawingml/2011/main" xmlns="" val="1"/>
             </a:ext>
             <a:ext uri="{909E8E84-426E-40dd-AFC4-6F175D3DCCD1}">
-              <a14:hiddenFill xmlns="" xmlns:a14="http://schemas.microsoft.com/office/drawing/2010/main">
+              <a14:hiddenFill xmlns:a14="http://schemas.microsoft.com/office/drawing/2010/main" xmlns="">
                 <a:solidFill>
                   <a:srgbClr val="FFFFFF"/>
                 </a:solidFill>
               </a14:hiddenFill>
             </a:ext>
             <a:ext uri="{91240B29-F687-4f45-9708-019B960494DF}">
-              <a14:hiddenLine xmlns="" xmlns:a14="http://schemas.microsoft.com/office/drawing/2010/main" w="9525">
+              <a14:hiddenLine xmlns:a14="http://schemas.microsoft.com/office/drawing/2010/main" xmlns="" w="9525">
                 <a:solidFill>
                   <a:srgbClr val="000000"/>
                 </a:solidFill>
@@ -7716,7 +7716,7 @@
                       <a:noFill/>
                       <a:extLst>
                         <a:ext uri="{909E8E84-426E-40dd-AFC4-6F175D3DCCD1}">
-                          <a14:hiddenFill xmlns="" xmlns:a14="http://schemas.microsoft.com/office/drawing/2010/main">
+                          <a14:hiddenFill xmlns:a14="http://schemas.microsoft.com/office/drawing/2010/main" xmlns="">
                             <a:solidFill>
                               <a:srgbClr val="FFFFFF"/>
                             </a:solidFill>
@@ -7834,17 +7834,17 @@
           </a:ln>
           <a:extLst>
             <a:ext uri="{FAA26D3D-D897-4be2-8F04-BA451C77F1D7}">
-              <ma14:placeholderFlag xmlns="" xmlns:ma14="http://schemas.microsoft.com/office/mac/drawingml/2011/main" val="1"/>
+              <ma14:placeholderFlag xmlns:ma14="http://schemas.microsoft.com/office/mac/drawingml/2011/main" xmlns="" val="1"/>
             </a:ext>
             <a:ext uri="{909E8E84-426E-40dd-AFC4-6F175D3DCCD1}">
-              <a14:hiddenFill xmlns="" xmlns:a14="http://schemas.microsoft.com/office/drawing/2010/main">
+              <a14:hiddenFill xmlns:a14="http://schemas.microsoft.com/office/drawing/2010/main" xmlns="">
                 <a:solidFill>
                   <a:srgbClr val="FFFFFF"/>
                 </a:solidFill>
               </a14:hiddenFill>
             </a:ext>
             <a:ext uri="{91240B29-F687-4f45-9708-019B960494DF}">
-              <a14:hiddenLine xmlns="" xmlns:a14="http://schemas.microsoft.com/office/drawing/2010/main" w="9525">
+              <a14:hiddenLine xmlns:a14="http://schemas.microsoft.com/office/drawing/2010/main" xmlns="" w="9525">
                 <a:solidFill>
                   <a:srgbClr val="000000"/>
                 </a:solidFill>
@@ -8155,14 +8155,14 @@
           </a:ln>
           <a:extLst>
             <a:ext uri="{909E8E84-426E-40dd-AFC4-6F175D3DCCD1}">
-              <a14:hiddenFill xmlns="" xmlns:a14="http://schemas.microsoft.com/office/drawing/2010/main">
+              <a14:hiddenFill xmlns:a14="http://schemas.microsoft.com/office/drawing/2010/main" xmlns="">
                 <a:solidFill>
                   <a:srgbClr val="FFFFFF"/>
                 </a:solidFill>
               </a14:hiddenFill>
             </a:ext>
             <a:ext uri="{91240B29-F687-4f45-9708-019B960494DF}">
-              <a14:hiddenLine xmlns="" xmlns:a14="http://schemas.microsoft.com/office/drawing/2010/main" w="9525">
+              <a14:hiddenLine xmlns:a14="http://schemas.microsoft.com/office/drawing/2010/main" xmlns="" w="9525">
                 <a:solidFill>
                   <a:srgbClr val="000000"/>
                 </a:solidFill>
@@ -8209,14 +8209,14 @@
           </a:ln>
           <a:extLst>
             <a:ext uri="{909E8E84-426E-40dd-AFC4-6F175D3DCCD1}">
-              <a14:hiddenFill xmlns="" xmlns:a14="http://schemas.microsoft.com/office/drawing/2010/main">
+              <a14:hiddenFill xmlns:a14="http://schemas.microsoft.com/office/drawing/2010/main" xmlns="">
                 <a:solidFill>
                   <a:srgbClr val="FFFFFF"/>
                 </a:solidFill>
               </a14:hiddenFill>
             </a:ext>
             <a:ext uri="{91240B29-F687-4f45-9708-019B960494DF}">
-              <a14:hiddenLine xmlns="" xmlns:a14="http://schemas.microsoft.com/office/drawing/2010/main" w="9525">
+              <a14:hiddenLine xmlns:a14="http://schemas.microsoft.com/office/drawing/2010/main" xmlns="" w="9525">
                 <a:solidFill>
                   <a:srgbClr val="000000"/>
                 </a:solidFill>
@@ -8263,14 +8263,14 @@
           </a:ln>
           <a:extLst>
             <a:ext uri="{909E8E84-426E-40dd-AFC4-6F175D3DCCD1}">
-              <a14:hiddenFill xmlns="" xmlns:a14="http://schemas.microsoft.com/office/drawing/2010/main">
+              <a14:hiddenFill xmlns:a14="http://schemas.microsoft.com/office/drawing/2010/main" xmlns="">
                 <a:solidFill>
                   <a:srgbClr val="FFFFFF"/>
                 </a:solidFill>
               </a14:hiddenFill>
             </a:ext>
             <a:ext uri="{91240B29-F687-4f45-9708-019B960494DF}">
-              <a14:hiddenLine xmlns="" xmlns:a14="http://schemas.microsoft.com/office/drawing/2010/main" w="9525">
+              <a14:hiddenLine xmlns:a14="http://schemas.microsoft.com/office/drawing/2010/main" xmlns="" w="9525">
                 <a:solidFill>
                   <a:srgbClr val="000000"/>
                 </a:solidFill>
@@ -8317,14 +8317,14 @@
           </a:ln>
           <a:extLst>
             <a:ext uri="{909E8E84-426E-40dd-AFC4-6F175D3DCCD1}">
-              <a14:hiddenFill xmlns="" xmlns:a14="http://schemas.microsoft.com/office/drawing/2010/main">
+              <a14:hiddenFill xmlns:a14="http://schemas.microsoft.com/office/drawing/2010/main" xmlns="">
                 <a:solidFill>
                   <a:srgbClr val="FFFFFF"/>
                 </a:solidFill>
               </a14:hiddenFill>
             </a:ext>
             <a:ext uri="{91240B29-F687-4f45-9708-019B960494DF}">
-              <a14:hiddenLine xmlns="" xmlns:a14="http://schemas.microsoft.com/office/drawing/2010/main" w="9525">
+              <a14:hiddenLine xmlns:a14="http://schemas.microsoft.com/office/drawing/2010/main" xmlns="" w="9525">
                 <a:solidFill>
                   <a:srgbClr val="000000"/>
                 </a:solidFill>
@@ -8371,14 +8371,14 @@
           </a:ln>
           <a:extLst>
             <a:ext uri="{909E8E84-426E-40dd-AFC4-6F175D3DCCD1}">
-              <a14:hiddenFill xmlns="" xmlns:a14="http://schemas.microsoft.com/office/drawing/2010/main">
+              <a14:hiddenFill xmlns:a14="http://schemas.microsoft.com/office/drawing/2010/main" xmlns="">
                 <a:solidFill>
                   <a:srgbClr val="FFFFFF"/>
                 </a:solidFill>
               </a14:hiddenFill>
             </a:ext>
             <a:ext uri="{91240B29-F687-4f45-9708-019B960494DF}">
-              <a14:hiddenLine xmlns="" xmlns:a14="http://schemas.microsoft.com/office/drawing/2010/main" w="9525">
+              <a14:hiddenLine xmlns:a14="http://schemas.microsoft.com/office/drawing/2010/main" xmlns="" w="9525">
                 <a:solidFill>
                   <a:srgbClr val="000000"/>
                 </a:solidFill>
@@ -8425,14 +8425,14 @@
           </a:ln>
           <a:extLst>
             <a:ext uri="{909E8E84-426E-40dd-AFC4-6F175D3DCCD1}">
-              <a14:hiddenFill xmlns="" xmlns:a14="http://schemas.microsoft.com/office/drawing/2010/main">
+              <a14:hiddenFill xmlns:a14="http://schemas.microsoft.com/office/drawing/2010/main" xmlns="">
                 <a:solidFill>
                   <a:srgbClr val="FFFFFF"/>
                 </a:solidFill>
               </a14:hiddenFill>
             </a:ext>
             <a:ext uri="{91240B29-F687-4f45-9708-019B960494DF}">
-              <a14:hiddenLine xmlns="" xmlns:a14="http://schemas.microsoft.com/office/drawing/2010/main" w="9525">
+              <a14:hiddenLine xmlns:a14="http://schemas.microsoft.com/office/drawing/2010/main" xmlns="" w="9525">
                 <a:solidFill>
                   <a:srgbClr val="000000"/>
                 </a:solidFill>
@@ -8479,14 +8479,14 @@
           </a:ln>
           <a:extLst>
             <a:ext uri="{909E8E84-426E-40dd-AFC4-6F175D3DCCD1}">
-              <a14:hiddenFill xmlns="" xmlns:a14="http://schemas.microsoft.com/office/drawing/2010/main">
+              <a14:hiddenFill xmlns:a14="http://schemas.microsoft.com/office/drawing/2010/main" xmlns="">
                 <a:solidFill>
                   <a:srgbClr val="FFFFFF"/>
                 </a:solidFill>
               </a14:hiddenFill>
             </a:ext>
             <a:ext uri="{91240B29-F687-4f45-9708-019B960494DF}">
-              <a14:hiddenLine xmlns="" xmlns:a14="http://schemas.microsoft.com/office/drawing/2010/main" w="9525">
+              <a14:hiddenLine xmlns:a14="http://schemas.microsoft.com/office/drawing/2010/main" xmlns="" w="9525">
                 <a:solidFill>
                   <a:srgbClr val="000000"/>
                 </a:solidFill>
@@ -8533,14 +8533,14 @@
           </a:ln>
           <a:extLst>
             <a:ext uri="{909E8E84-426E-40dd-AFC4-6F175D3DCCD1}">
-              <a14:hiddenFill xmlns="" xmlns:a14="http://schemas.microsoft.com/office/drawing/2010/main">
+              <a14:hiddenFill xmlns:a14="http://schemas.microsoft.com/office/drawing/2010/main" xmlns="">
                 <a:solidFill>
                   <a:srgbClr val="FFFFFF"/>
                 </a:solidFill>
               </a14:hiddenFill>
             </a:ext>
             <a:ext uri="{91240B29-F687-4f45-9708-019B960494DF}">
-              <a14:hiddenLine xmlns="" xmlns:a14="http://schemas.microsoft.com/office/drawing/2010/main" w="9525">
+              <a14:hiddenLine xmlns:a14="http://schemas.microsoft.com/office/drawing/2010/main" xmlns="" w="9525">
                 <a:solidFill>
                   <a:srgbClr val="000000"/>
                 </a:solidFill>
@@ -8587,14 +8587,14 @@
           </a:ln>
           <a:extLst>
             <a:ext uri="{909E8E84-426E-40dd-AFC4-6F175D3DCCD1}">
-              <a14:hiddenFill xmlns="" xmlns:a14="http://schemas.microsoft.com/office/drawing/2010/main">
+              <a14:hiddenFill xmlns:a14="http://schemas.microsoft.com/office/drawing/2010/main" xmlns="">
                 <a:solidFill>
                   <a:srgbClr val="FFFFFF"/>
                 </a:solidFill>
               </a14:hiddenFill>
             </a:ext>
             <a:ext uri="{91240B29-F687-4f45-9708-019B960494DF}">
-              <a14:hiddenLine xmlns="" xmlns:a14="http://schemas.microsoft.com/office/drawing/2010/main" w="9525">
+              <a14:hiddenLine xmlns:a14="http://schemas.microsoft.com/office/drawing/2010/main" xmlns="" w="9525">
                 <a:solidFill>
                   <a:srgbClr val="000000"/>
                 </a:solidFill>
@@ -8641,14 +8641,14 @@
           </a:ln>
           <a:extLst>
             <a:ext uri="{909E8E84-426E-40dd-AFC4-6F175D3DCCD1}">
-              <a14:hiddenFill xmlns="" xmlns:a14="http://schemas.microsoft.com/office/drawing/2010/main">
+              <a14:hiddenFill xmlns:a14="http://schemas.microsoft.com/office/drawing/2010/main" xmlns="">
                 <a:solidFill>
                   <a:srgbClr val="FFFFFF"/>
                 </a:solidFill>
               </a14:hiddenFill>
             </a:ext>
             <a:ext uri="{91240B29-F687-4f45-9708-019B960494DF}">
-              <a14:hiddenLine xmlns="" xmlns:a14="http://schemas.microsoft.com/office/drawing/2010/main" w="9525">
+              <a14:hiddenLine xmlns:a14="http://schemas.microsoft.com/office/drawing/2010/main" xmlns="" w="9525">
                 <a:solidFill>
                   <a:srgbClr val="000000"/>
                 </a:solidFill>
@@ -8695,14 +8695,14 @@
           </a:ln>
           <a:extLst>
             <a:ext uri="{909E8E84-426E-40dd-AFC4-6F175D3DCCD1}">
-              <a14:hiddenFill xmlns="" xmlns:a14="http://schemas.microsoft.com/office/drawing/2010/main">
+              <a14:hiddenFill xmlns:a14="http://schemas.microsoft.com/office/drawing/2010/main" xmlns="">
                 <a:solidFill>
                   <a:srgbClr val="FFFFFF"/>
                 </a:solidFill>
               </a14:hiddenFill>
             </a:ext>
             <a:ext uri="{91240B29-F687-4f45-9708-019B960494DF}">
-              <a14:hiddenLine xmlns="" xmlns:a14="http://schemas.microsoft.com/office/drawing/2010/main" w="9525">
+              <a14:hiddenLine xmlns:a14="http://schemas.microsoft.com/office/drawing/2010/main" xmlns="" w="9525">
                 <a:solidFill>
                   <a:srgbClr val="000000"/>
                 </a:solidFill>
@@ -8749,14 +8749,14 @@
           </a:ln>
           <a:extLst>
             <a:ext uri="{909E8E84-426E-40dd-AFC4-6F175D3DCCD1}">
-              <a14:hiddenFill xmlns="" xmlns:a14="http://schemas.microsoft.com/office/drawing/2010/main">
+              <a14:hiddenFill xmlns:a14="http://schemas.microsoft.com/office/drawing/2010/main" xmlns="">
                 <a:solidFill>
                   <a:srgbClr val="FFFFFF"/>
                 </a:solidFill>
               </a14:hiddenFill>
             </a:ext>
             <a:ext uri="{91240B29-F687-4f45-9708-019B960494DF}">
-              <a14:hiddenLine xmlns="" xmlns:a14="http://schemas.microsoft.com/office/drawing/2010/main" w="9525">
+              <a14:hiddenLine xmlns:a14="http://schemas.microsoft.com/office/drawing/2010/main" xmlns="" w="9525">
                 <a:solidFill>
                   <a:srgbClr val="000000"/>
                 </a:solidFill>
@@ -8803,14 +8803,14 @@
           </a:ln>
           <a:extLst>
             <a:ext uri="{909E8E84-426E-40dd-AFC4-6F175D3DCCD1}">
-              <a14:hiddenFill xmlns="" xmlns:a14="http://schemas.microsoft.com/office/drawing/2010/main">
+              <a14:hiddenFill xmlns:a14="http://schemas.microsoft.com/office/drawing/2010/main" xmlns="">
                 <a:solidFill>
                   <a:srgbClr val="FFFFFF"/>
                 </a:solidFill>
               </a14:hiddenFill>
             </a:ext>
             <a:ext uri="{91240B29-F687-4f45-9708-019B960494DF}">
-              <a14:hiddenLine xmlns="" xmlns:a14="http://schemas.microsoft.com/office/drawing/2010/main" w="9525">
+              <a14:hiddenLine xmlns:a14="http://schemas.microsoft.com/office/drawing/2010/main" xmlns="" w="9525">
                 <a:solidFill>
                   <a:srgbClr val="000000"/>
                 </a:solidFill>
@@ -8857,14 +8857,14 @@
           </a:ln>
           <a:extLst>
             <a:ext uri="{909E8E84-426E-40dd-AFC4-6F175D3DCCD1}">
-              <a14:hiddenFill xmlns="" xmlns:a14="http://schemas.microsoft.com/office/drawing/2010/main">
+              <a14:hiddenFill xmlns:a14="http://schemas.microsoft.com/office/drawing/2010/main" xmlns="">
                 <a:solidFill>
                   <a:srgbClr val="FFFFFF"/>
                 </a:solidFill>
               </a14:hiddenFill>
             </a:ext>
             <a:ext uri="{91240B29-F687-4f45-9708-019B960494DF}">
-              <a14:hiddenLine xmlns="" xmlns:a14="http://schemas.microsoft.com/office/drawing/2010/main" w="9525">
+              <a14:hiddenLine xmlns:a14="http://schemas.microsoft.com/office/drawing/2010/main" xmlns="" w="9525">
                 <a:solidFill>
                   <a:srgbClr val="000000"/>
                 </a:solidFill>
@@ -8911,14 +8911,14 @@
           </a:ln>
           <a:extLst>
             <a:ext uri="{909E8E84-426E-40dd-AFC4-6F175D3DCCD1}">
-              <a14:hiddenFill xmlns="" xmlns:a14="http://schemas.microsoft.com/office/drawing/2010/main">
+              <a14:hiddenFill xmlns:a14="http://schemas.microsoft.com/office/drawing/2010/main" xmlns="">
                 <a:solidFill>
                   <a:srgbClr val="FFFFFF"/>
                 </a:solidFill>
               </a14:hiddenFill>
             </a:ext>
             <a:ext uri="{91240B29-F687-4f45-9708-019B960494DF}">
-              <a14:hiddenLine xmlns="" xmlns:a14="http://schemas.microsoft.com/office/drawing/2010/main" w="9525">
+              <a14:hiddenLine xmlns:a14="http://schemas.microsoft.com/office/drawing/2010/main" xmlns="" w="9525">
                 <a:solidFill>
                   <a:srgbClr val="000000"/>
                 </a:solidFill>
@@ -8965,14 +8965,14 @@
           </a:ln>
           <a:extLst>
             <a:ext uri="{909E8E84-426E-40dd-AFC4-6F175D3DCCD1}">
-              <a14:hiddenFill xmlns="" xmlns:a14="http://schemas.microsoft.com/office/drawing/2010/main">
+              <a14:hiddenFill xmlns:a14="http://schemas.microsoft.com/office/drawing/2010/main" xmlns="">
                 <a:solidFill>
                   <a:srgbClr val="FFFFFF"/>
                 </a:solidFill>
               </a14:hiddenFill>
             </a:ext>
             <a:ext uri="{91240B29-F687-4f45-9708-019B960494DF}">
-              <a14:hiddenLine xmlns="" xmlns:a14="http://schemas.microsoft.com/office/drawing/2010/main" w="9525">
+              <a14:hiddenLine xmlns:a14="http://schemas.microsoft.com/office/drawing/2010/main" xmlns="" w="9525">
                 <a:solidFill>
                   <a:srgbClr val="000000"/>
                 </a:solidFill>
@@ -9019,14 +9019,14 @@
           </a:ln>
           <a:extLst>
             <a:ext uri="{909E8E84-426E-40dd-AFC4-6F175D3DCCD1}">
-              <a14:hiddenFill xmlns="" xmlns:a14="http://schemas.microsoft.com/office/drawing/2010/main">
+              <a14:hiddenFill xmlns:a14="http://schemas.microsoft.com/office/drawing/2010/main" xmlns="">
                 <a:solidFill>
                   <a:srgbClr val="FFFFFF"/>
                 </a:solidFill>
               </a14:hiddenFill>
             </a:ext>
             <a:ext uri="{91240B29-F687-4f45-9708-019B960494DF}">
-              <a14:hiddenLine xmlns="" xmlns:a14="http://schemas.microsoft.com/office/drawing/2010/main" w="9525">
+              <a14:hiddenLine xmlns:a14="http://schemas.microsoft.com/office/drawing/2010/main" xmlns="" w="9525">
                 <a:solidFill>
                   <a:srgbClr val="000000"/>
                 </a:solidFill>
@@ -9060,14 +9060,14 @@
           </a:ln>
           <a:extLst>
             <a:ext uri="{909E8E84-426E-40dd-AFC4-6F175D3DCCD1}">
-              <a14:hiddenFill xmlns="" xmlns:a14="http://schemas.microsoft.com/office/drawing/2010/main">
+              <a14:hiddenFill xmlns:a14="http://schemas.microsoft.com/office/drawing/2010/main" xmlns="">
                 <a:solidFill>
                   <a:srgbClr val="FFFFFF"/>
                 </a:solidFill>
               </a14:hiddenFill>
             </a:ext>
             <a:ext uri="{91240B29-F687-4f45-9708-019B960494DF}">
-              <a14:hiddenLine xmlns="" xmlns:a14="http://schemas.microsoft.com/office/drawing/2010/main" w="9525">
+              <a14:hiddenLine xmlns:a14="http://schemas.microsoft.com/office/drawing/2010/main" xmlns="" w="9525">
                 <a:solidFill>
                   <a:srgbClr val="000000"/>
                 </a:solidFill>
@@ -9222,14 +9222,14 @@
           </a:ln>
           <a:extLst>
             <a:ext uri="{909E8E84-426E-40dd-AFC4-6F175D3DCCD1}">
-              <a14:hiddenFill xmlns="" xmlns:a14="http://schemas.microsoft.com/office/drawing/2010/main">
+              <a14:hiddenFill xmlns:a14="http://schemas.microsoft.com/office/drawing/2010/main" xmlns="">
                 <a:solidFill>
                   <a:srgbClr val="FFFFFF"/>
                 </a:solidFill>
               </a14:hiddenFill>
             </a:ext>
             <a:ext uri="{91240B29-F687-4f45-9708-019B960494DF}">
-              <a14:hiddenLine xmlns="" xmlns:a14="http://schemas.microsoft.com/office/drawing/2010/main" w="9525">
+              <a14:hiddenLine xmlns:a14="http://schemas.microsoft.com/office/drawing/2010/main" xmlns="" w="9525">
                 <a:solidFill>
                   <a:srgbClr val="000000"/>
                 </a:solidFill>
@@ -9384,14 +9384,14 @@
           </a:ln>
           <a:extLst>
             <a:ext uri="{909E8E84-426E-40dd-AFC4-6F175D3DCCD1}">
-              <a14:hiddenFill xmlns="" xmlns:a14="http://schemas.microsoft.com/office/drawing/2010/main">
+              <a14:hiddenFill xmlns:a14="http://schemas.microsoft.com/office/drawing/2010/main" xmlns="">
                 <a:solidFill>
                   <a:srgbClr val="FFFFFF"/>
                 </a:solidFill>
               </a14:hiddenFill>
             </a:ext>
             <a:ext uri="{91240B29-F687-4f45-9708-019B960494DF}">
-              <a14:hiddenLine xmlns="" xmlns:a14="http://schemas.microsoft.com/office/drawing/2010/main" w="9525">
+              <a14:hiddenLine xmlns:a14="http://schemas.microsoft.com/office/drawing/2010/main" xmlns="" w="9525">
                 <a:solidFill>
                   <a:srgbClr val="000000"/>
                 </a:solidFill>
@@ -9546,14 +9546,14 @@
           </a:ln>
           <a:extLst>
             <a:ext uri="{909E8E84-426E-40dd-AFC4-6F175D3DCCD1}">
-              <a14:hiddenFill xmlns="" xmlns:a14="http://schemas.microsoft.com/office/drawing/2010/main">
+              <a14:hiddenFill xmlns:a14="http://schemas.microsoft.com/office/drawing/2010/main" xmlns="">
                 <a:solidFill>
                   <a:srgbClr val="FFFFFF"/>
                 </a:solidFill>
               </a14:hiddenFill>
             </a:ext>
             <a:ext uri="{91240B29-F687-4f45-9708-019B960494DF}">
-              <a14:hiddenLine xmlns="" xmlns:a14="http://schemas.microsoft.com/office/drawing/2010/main" w="9525">
+              <a14:hiddenLine xmlns:a14="http://schemas.microsoft.com/office/drawing/2010/main" xmlns="" w="9525">
                 <a:solidFill>
                   <a:srgbClr val="000000"/>
                 </a:solidFill>
@@ -9720,14 +9720,14 @@
           </a:ln>
           <a:extLst>
             <a:ext uri="{909E8E84-426E-40dd-AFC4-6F175D3DCCD1}">
-              <a14:hiddenFill xmlns="" xmlns:a14="http://schemas.microsoft.com/office/drawing/2010/main">
+              <a14:hiddenFill xmlns:a14="http://schemas.microsoft.com/office/drawing/2010/main" xmlns="">
                 <a:solidFill>
                   <a:srgbClr val="FFFFFF"/>
                 </a:solidFill>
               </a14:hiddenFill>
             </a:ext>
             <a:ext uri="{91240B29-F687-4f45-9708-019B960494DF}">
-              <a14:hiddenLine xmlns="" xmlns:a14="http://schemas.microsoft.com/office/drawing/2010/main" w="9525">
+              <a14:hiddenLine xmlns:a14="http://schemas.microsoft.com/office/drawing/2010/main" xmlns="" w="9525">
                 <a:solidFill>
                   <a:srgbClr val="000000"/>
                 </a:solidFill>
@@ -9882,14 +9882,14 @@
           </a:ln>
           <a:extLst>
             <a:ext uri="{909E8E84-426E-40dd-AFC4-6F175D3DCCD1}">
-              <a14:hiddenFill xmlns="" xmlns:a14="http://schemas.microsoft.com/office/drawing/2010/main">
+              <a14:hiddenFill xmlns:a14="http://schemas.microsoft.com/office/drawing/2010/main" xmlns="">
                 <a:solidFill>
                   <a:srgbClr val="FFFFFF"/>
                 </a:solidFill>
               </a14:hiddenFill>
             </a:ext>
             <a:ext uri="{91240B29-F687-4f45-9708-019B960494DF}">
-              <a14:hiddenLine xmlns="" xmlns:a14="http://schemas.microsoft.com/office/drawing/2010/main" w="9525">
+              <a14:hiddenLine xmlns:a14="http://schemas.microsoft.com/office/drawing/2010/main" xmlns="" w="9525">
                 <a:solidFill>
                   <a:srgbClr val="000000"/>
                 </a:solidFill>
@@ -10044,14 +10044,14 @@
           </a:ln>
           <a:extLst>
             <a:ext uri="{909E8E84-426E-40dd-AFC4-6F175D3DCCD1}">
-              <a14:hiddenFill xmlns="" xmlns:a14="http://schemas.microsoft.com/office/drawing/2010/main">
+              <a14:hiddenFill xmlns:a14="http://schemas.microsoft.com/office/drawing/2010/main" xmlns="">
                 <a:solidFill>
                   <a:srgbClr val="FFFFFF"/>
                 </a:solidFill>
               </a14:hiddenFill>
             </a:ext>
             <a:ext uri="{91240B29-F687-4f45-9708-019B960494DF}">
-              <a14:hiddenLine xmlns="" xmlns:a14="http://schemas.microsoft.com/office/drawing/2010/main" w="9525">
+              <a14:hiddenLine xmlns:a14="http://schemas.microsoft.com/office/drawing/2010/main" xmlns="" w="9525">
                 <a:solidFill>
                   <a:srgbClr val="000000"/>
                 </a:solidFill>
@@ -10206,14 +10206,14 @@
           </a:ln>
           <a:extLst>
             <a:ext uri="{909E8E84-426E-40dd-AFC4-6F175D3DCCD1}">
-              <a14:hiddenFill xmlns="" xmlns:a14="http://schemas.microsoft.com/office/drawing/2010/main">
+              <a14:hiddenFill xmlns:a14="http://schemas.microsoft.com/office/drawing/2010/main" xmlns="">
                 <a:solidFill>
                   <a:srgbClr val="FFFFFF"/>
                 </a:solidFill>
               </a14:hiddenFill>
             </a:ext>
             <a:ext uri="{91240B29-F687-4f45-9708-019B960494DF}">
-              <a14:hiddenLine xmlns="" xmlns:a14="http://schemas.microsoft.com/office/drawing/2010/main" w="9525">
+              <a14:hiddenLine xmlns:a14="http://schemas.microsoft.com/office/drawing/2010/main" xmlns="" w="9525">
                 <a:solidFill>
                   <a:srgbClr val="000000"/>
                 </a:solidFill>
@@ -10368,14 +10368,14 @@
           </a:ln>
           <a:extLst>
             <a:ext uri="{909E8E84-426E-40dd-AFC4-6F175D3DCCD1}">
-              <a14:hiddenFill xmlns="" xmlns:a14="http://schemas.microsoft.com/office/drawing/2010/main">
+              <a14:hiddenFill xmlns:a14="http://schemas.microsoft.com/office/drawing/2010/main" xmlns="">
                 <a:solidFill>
                   <a:srgbClr val="FFFFFF"/>
                 </a:solidFill>
               </a14:hiddenFill>
             </a:ext>
             <a:ext uri="{91240B29-F687-4f45-9708-019B960494DF}">
-              <a14:hiddenLine xmlns="" xmlns:a14="http://schemas.microsoft.com/office/drawing/2010/main" w="9525">
+              <a14:hiddenLine xmlns:a14="http://schemas.microsoft.com/office/drawing/2010/main" xmlns="" w="9525">
                 <a:solidFill>
                   <a:srgbClr val="000000"/>
                 </a:solidFill>
@@ -10530,14 +10530,14 @@
           </a:ln>
           <a:extLst>
             <a:ext uri="{909E8E84-426E-40dd-AFC4-6F175D3DCCD1}">
-              <a14:hiddenFill xmlns="" xmlns:a14="http://schemas.microsoft.com/office/drawing/2010/main">
+              <a14:hiddenFill xmlns:a14="http://schemas.microsoft.com/office/drawing/2010/main" xmlns="">
                 <a:solidFill>
                   <a:srgbClr val="FFFFFF"/>
                 </a:solidFill>
               </a14:hiddenFill>
             </a:ext>
             <a:ext uri="{91240B29-F687-4f45-9708-019B960494DF}">
-              <a14:hiddenLine xmlns="" xmlns:a14="http://schemas.microsoft.com/office/drawing/2010/main" w="9525">
+              <a14:hiddenLine xmlns:a14="http://schemas.microsoft.com/office/drawing/2010/main" xmlns="" w="9525">
                 <a:solidFill>
                   <a:srgbClr val="000000"/>
                 </a:solidFill>
@@ -10692,14 +10692,14 @@
           </a:ln>
           <a:extLst>
             <a:ext uri="{909E8E84-426E-40dd-AFC4-6F175D3DCCD1}">
-              <a14:hiddenFill xmlns="" xmlns:a14="http://schemas.microsoft.com/office/drawing/2010/main">
+              <a14:hiddenFill xmlns:a14="http://schemas.microsoft.com/office/drawing/2010/main" xmlns="">
                 <a:solidFill>
                   <a:srgbClr val="FFFFFF"/>
                 </a:solidFill>
               </a14:hiddenFill>
             </a:ext>
             <a:ext uri="{91240B29-F687-4f45-9708-019B960494DF}">
-              <a14:hiddenLine xmlns="" xmlns:a14="http://schemas.microsoft.com/office/drawing/2010/main" w="9525">
+              <a14:hiddenLine xmlns:a14="http://schemas.microsoft.com/office/drawing/2010/main" xmlns="" w="9525">
                 <a:solidFill>
                   <a:srgbClr val="000000"/>
                 </a:solidFill>
@@ -10854,14 +10854,14 @@
           </a:ln>
           <a:extLst>
             <a:ext uri="{909E8E84-426E-40dd-AFC4-6F175D3DCCD1}">
-              <a14:hiddenFill xmlns="" xmlns:a14="http://schemas.microsoft.com/office/drawing/2010/main">
+              <a14:hiddenFill xmlns:a14="http://schemas.microsoft.com/office/drawing/2010/main" xmlns="">
                 <a:solidFill>
                   <a:srgbClr val="FFFFFF"/>
                 </a:solidFill>
               </a14:hiddenFill>
             </a:ext>
             <a:ext uri="{91240B29-F687-4f45-9708-019B960494DF}">
-              <a14:hiddenLine xmlns="" xmlns:a14="http://schemas.microsoft.com/office/drawing/2010/main" w="9525">
+              <a14:hiddenLine xmlns:a14="http://schemas.microsoft.com/office/drawing/2010/main" xmlns="" w="9525">
                 <a:solidFill>
                   <a:srgbClr val="000000"/>
                 </a:solidFill>
@@ -11016,14 +11016,14 @@
           </a:ln>
           <a:extLst>
             <a:ext uri="{909E8E84-426E-40dd-AFC4-6F175D3DCCD1}">
-              <a14:hiddenFill xmlns="" xmlns:a14="http://schemas.microsoft.com/office/drawing/2010/main">
+              <a14:hiddenFill xmlns:a14="http://schemas.microsoft.com/office/drawing/2010/main" xmlns="">
                 <a:solidFill>
                   <a:srgbClr val="FFFFFF"/>
                 </a:solidFill>
               </a14:hiddenFill>
             </a:ext>
             <a:ext uri="{91240B29-F687-4f45-9708-019B960494DF}">
-              <a14:hiddenLine xmlns="" xmlns:a14="http://schemas.microsoft.com/office/drawing/2010/main" w="9525">
+              <a14:hiddenLine xmlns:a14="http://schemas.microsoft.com/office/drawing/2010/main" xmlns="" w="9525">
                 <a:solidFill>
                   <a:srgbClr val="000000"/>
                 </a:solidFill>
@@ -11178,14 +11178,14 @@
           </a:ln>
           <a:extLst>
             <a:ext uri="{909E8E84-426E-40dd-AFC4-6F175D3DCCD1}">
-              <a14:hiddenFill xmlns="" xmlns:a14="http://schemas.microsoft.com/office/drawing/2010/main">
+              <a14:hiddenFill xmlns:a14="http://schemas.microsoft.com/office/drawing/2010/main" xmlns="">
                 <a:solidFill>
                   <a:srgbClr val="FFFFFF"/>
                 </a:solidFill>
               </a14:hiddenFill>
             </a:ext>
             <a:ext uri="{91240B29-F687-4f45-9708-019B960494DF}">
-              <a14:hiddenLine xmlns="" xmlns:a14="http://schemas.microsoft.com/office/drawing/2010/main" w="9525">
+              <a14:hiddenLine xmlns:a14="http://schemas.microsoft.com/office/drawing/2010/main" xmlns="" w="9525">
                 <a:solidFill>
                   <a:srgbClr val="000000"/>
                 </a:solidFill>
@@ -11340,14 +11340,14 @@
           </a:ln>
           <a:extLst>
             <a:ext uri="{909E8E84-426E-40dd-AFC4-6F175D3DCCD1}">
-              <a14:hiddenFill xmlns="" xmlns:a14="http://schemas.microsoft.com/office/drawing/2010/main">
+              <a14:hiddenFill xmlns:a14="http://schemas.microsoft.com/office/drawing/2010/main" xmlns="">
                 <a:solidFill>
                   <a:srgbClr val="FFFFFF"/>
                 </a:solidFill>
               </a14:hiddenFill>
             </a:ext>
             <a:ext uri="{91240B29-F687-4f45-9708-019B960494DF}">
-              <a14:hiddenLine xmlns="" xmlns:a14="http://schemas.microsoft.com/office/drawing/2010/main" w="9525">
+              <a14:hiddenLine xmlns:a14="http://schemas.microsoft.com/office/drawing/2010/main" xmlns="" w="9525">
                 <a:solidFill>
                   <a:srgbClr val="000000"/>
                 </a:solidFill>
@@ -11502,14 +11502,14 @@
           </a:ln>
           <a:extLst>
             <a:ext uri="{909E8E84-426E-40dd-AFC4-6F175D3DCCD1}">
-              <a14:hiddenFill xmlns="" xmlns:a14="http://schemas.microsoft.com/office/drawing/2010/main">
+              <a14:hiddenFill xmlns:a14="http://schemas.microsoft.com/office/drawing/2010/main" xmlns="">
                 <a:solidFill>
                   <a:srgbClr val="FFFFFF"/>
                 </a:solidFill>
               </a14:hiddenFill>
             </a:ext>
             <a:ext uri="{91240B29-F687-4f45-9708-019B960494DF}">
-              <a14:hiddenLine xmlns="" xmlns:a14="http://schemas.microsoft.com/office/drawing/2010/main" w="9525">
+              <a14:hiddenLine xmlns:a14="http://schemas.microsoft.com/office/drawing/2010/main" xmlns="" w="9525">
                 <a:solidFill>
                   <a:srgbClr val="000000"/>
                 </a:solidFill>
@@ -11664,14 +11664,14 @@
           </a:ln>
           <a:extLst>
             <a:ext uri="{909E8E84-426E-40dd-AFC4-6F175D3DCCD1}">
-              <a14:hiddenFill xmlns="" xmlns:a14="http://schemas.microsoft.com/office/drawing/2010/main">
+              <a14:hiddenFill xmlns:a14="http://schemas.microsoft.com/office/drawing/2010/main" xmlns="">
                 <a:solidFill>
                   <a:srgbClr val="FFFFFF"/>
                 </a:solidFill>
               </a14:hiddenFill>
             </a:ext>
             <a:ext uri="{91240B29-F687-4f45-9708-019B960494DF}">
-              <a14:hiddenLine xmlns="" xmlns:a14="http://schemas.microsoft.com/office/drawing/2010/main" w="9525">
+              <a14:hiddenLine xmlns:a14="http://schemas.microsoft.com/office/drawing/2010/main" xmlns="" w="9525">
                 <a:solidFill>
                   <a:srgbClr val="000000"/>
                 </a:solidFill>
@@ -11907,17 +11907,17 @@
           </a:ln>
           <a:extLst>
             <a:ext uri="{FAA26D3D-D897-4be2-8F04-BA451C77F1D7}">
-              <ma14:placeholderFlag xmlns="" xmlns:ma14="http://schemas.microsoft.com/office/mac/drawingml/2011/main" val="1"/>
+              <ma14:placeholderFlag xmlns:ma14="http://schemas.microsoft.com/office/mac/drawingml/2011/main" xmlns="" val="1"/>
             </a:ext>
             <a:ext uri="{909E8E84-426E-40dd-AFC4-6F175D3DCCD1}">
-              <a14:hiddenFill xmlns="" xmlns:a14="http://schemas.microsoft.com/office/drawing/2010/main">
+              <a14:hiddenFill xmlns:a14="http://schemas.microsoft.com/office/drawing/2010/main" xmlns="">
                 <a:solidFill>
                   <a:srgbClr val="FFFFFF"/>
                 </a:solidFill>
               </a14:hiddenFill>
             </a:ext>
             <a:ext uri="{91240B29-F687-4f45-9708-019B960494DF}">
-              <a14:hiddenLine xmlns="" xmlns:a14="http://schemas.microsoft.com/office/drawing/2010/main" w="9525">
+              <a14:hiddenLine xmlns:a14="http://schemas.microsoft.com/office/drawing/2010/main" xmlns="" w="9525">
                 <a:solidFill>
                   <a:srgbClr val="000000"/>
                 </a:solidFill>
@@ -12023,14 +12023,14 @@
           </a:ln>
           <a:extLst>
             <a:ext uri="{909E8E84-426E-40dd-AFC4-6F175D3DCCD1}">
-              <a14:hiddenFill xmlns="" xmlns:a14="http://schemas.microsoft.com/office/drawing/2010/main">
+              <a14:hiddenFill xmlns:a14="http://schemas.microsoft.com/office/drawing/2010/main" xmlns="">
                 <a:solidFill>
                   <a:srgbClr val="FFFFFF"/>
                 </a:solidFill>
               </a14:hiddenFill>
             </a:ext>
             <a:ext uri="{91240B29-F687-4f45-9708-019B960494DF}">
-              <a14:hiddenLine xmlns="" xmlns:a14="http://schemas.microsoft.com/office/drawing/2010/main" w="9525">
+              <a14:hiddenLine xmlns:a14="http://schemas.microsoft.com/office/drawing/2010/main" xmlns="" w="9525">
                 <a:solidFill>
                   <a:srgbClr val="000000"/>
                 </a:solidFill>
@@ -17301,7 +17301,7 @@
         <p:spPr/>
         <p:txBody>
           <a:bodyPr>
-            <a:normAutofit lnSpcReduction="10000"/>
+            <a:normAutofit fontScale="92500" lnSpcReduction="20000"/>
           </a:bodyPr>
           <a:lstStyle/>
           <a:p>
@@ -17364,7 +17364,36 @@
                 </a:highlight>
                 <a:latin typeface="Courier" pitchFamily="2" charset="0"/>
               </a:rPr>
-              <a:t>def edges: DataFrame</a:t>
+              <a:t>def edges: </a:t>
+            </a:r>
+            <a:r>
+              <a:rPr lang="en-US" dirty="0" err="1">
+                <a:highlight>
+                  <a:srgbClr val="00FF00"/>
+                </a:highlight>
+                <a:latin typeface="Courier" pitchFamily="2" charset="0"/>
+              </a:rPr>
+              <a:t>DataFrame</a:t>
+            </a:r>
+            <a:endParaRPr lang="en-US" dirty="0">
+              <a:highlight>
+                <a:srgbClr val="00FF00"/>
+              </a:highlight>
+              <a:latin typeface="Courier" pitchFamily="2" charset="0"/>
+            </a:endParaRPr>
+          </a:p>
+          <a:p>
+            <a:pPr marL="0" indent="0">
+              <a:buNone/>
+            </a:pPr>
+            <a:r>
+              <a:rPr lang="en-US" dirty="0">
+                <a:highlight>
+                  <a:srgbClr val="00FFFF"/>
+                </a:highlight>
+                <a:latin typeface="Courier" pitchFamily="2" charset="0"/>
+              </a:rPr>
+              <a:t>  # MOTIF FINDING is done by find()</a:t>
             </a:r>
           </a:p>
           <a:p>
@@ -21214,15 +21243,87 @@
           <a:p>
             <a:pPr lvl="1"/>
             <a:r>
-              <a:rPr lang="en-US" dirty="0"/>
-              <a:t>Nodes are expressed as a DataFrame</a:t>
+              <a:rPr lang="en-US" dirty="0">
+                <a:highlight>
+                  <a:srgbClr val="FFFF00"/>
+                </a:highlight>
+              </a:rPr>
+              <a:t>Nodes are expressed as a </a:t>
+            </a:r>
+            <a:r>
+              <a:rPr lang="en-US" dirty="0" err="1">
+                <a:highlight>
+                  <a:srgbClr val="FFFF00"/>
+                </a:highlight>
+              </a:rPr>
+              <a:t>DataFrame</a:t>
+            </a:r>
+            <a:r>
+              <a:rPr lang="en-US" dirty="0">
+                <a:highlight>
+                  <a:srgbClr val="FFFF00"/>
+                </a:highlight>
+              </a:rPr>
+              <a:t>(id, n1, n2, n3, …)</a:t>
             </a:r>
           </a:p>
           <a:p>
             <a:pPr lvl="1"/>
             <a:r>
-              <a:rPr lang="en-US" dirty="0"/>
-              <a:t>Edges are expressed as a DataFrame</a:t>
+              <a:rPr lang="en-US" dirty="0">
+                <a:highlight>
+                  <a:srgbClr val="FFFF00"/>
+                </a:highlight>
+              </a:rPr>
+              <a:t>Edges are expressed as a </a:t>
+            </a:r>
+            <a:r>
+              <a:rPr lang="en-US" dirty="0" err="1">
+                <a:highlight>
+                  <a:srgbClr val="FFFF00"/>
+                </a:highlight>
+              </a:rPr>
+              <a:t>DataFrame</a:t>
+            </a:r>
+            <a:r>
+              <a:rPr lang="en-US" dirty="0">
+                <a:highlight>
+                  <a:srgbClr val="FFFF00"/>
+                </a:highlight>
+              </a:rPr>
+              <a:t>(</a:t>
+            </a:r>
+            <a:r>
+              <a:rPr lang="en-US" dirty="0" err="1">
+                <a:highlight>
+                  <a:srgbClr val="FFFF00"/>
+                </a:highlight>
+              </a:rPr>
+              <a:t>src</a:t>
+            </a:r>
+            <a:r>
+              <a:rPr lang="en-US" dirty="0">
+                <a:highlight>
+                  <a:srgbClr val="FFFF00"/>
+                </a:highlight>
+              </a:rPr>
+              <a:t>, </a:t>
+            </a:r>
+            <a:r>
+              <a:rPr lang="en-US" dirty="0" err="1">
+                <a:highlight>
+                  <a:srgbClr val="FFFF00"/>
+                </a:highlight>
+              </a:rPr>
+              <a:t>dst</a:t>
+            </a:r>
+            <a:r>
+              <a:rPr lang="en-US" dirty="0">
+                <a:highlight>
+                  <a:srgbClr val="FFFF00"/>
+                </a:highlight>
+              </a:rPr>
+              <a:t>, e1, e2, e3, …)</a:t>
             </a:r>
           </a:p>
           <a:p>
